--- a/A program működése.pptx
+++ b/A program működése.pptx
@@ -8,6 +8,9 @@
     <p:sldId id="256" r:id="rId2"/>
     <p:sldId id="257" r:id="rId3"/>
     <p:sldId id="258" r:id="rId4"/>
+    <p:sldId id="260" r:id="rId5"/>
+    <p:sldId id="259" r:id="rId6"/>
+    <p:sldId id="261" r:id="rId7"/>
   </p:sldIdLst>
   <p:sldSz cx="12192000" cy="6858000"/>
   <p:notesSz cx="6858000" cy="9144000"/>
@@ -106,6 +109,11 @@
       </a:defRPr>
     </a:lvl9pPr>
   </p:defaultTextStyle>
+  <p:extLst>
+    <p:ext uri="{EFAFB233-063F-42B5-8137-9DF3F51BA10A}">
+      <p15:sldGuideLst xmlns:p15="http://schemas.microsoft.com/office/powerpoint/2012/main"/>
+    </p:ext>
+  </p:extLst>
 </p:presentation>
 </file>
 
@@ -4540,6 +4548,1318 @@
 </p:sld>
 </file>
 
+<file path=ppt/slides/slide4.xml><?xml version="1.0" encoding="utf-8"?>
+<p:sld xmlns:a="http://schemas.openxmlformats.org/drawingml/2006/main" xmlns:r="http://schemas.openxmlformats.org/officeDocument/2006/relationships" xmlns:p="http://schemas.openxmlformats.org/presentationml/2006/main">
+  <p:cSld>
+    <p:bg>
+      <p:bgPr>
+        <a:solidFill>
+          <a:schemeClr val="bg1"/>
+        </a:solidFill>
+        <a:effectLst/>
+      </p:bgPr>
+    </p:bg>
+    <p:spTree>
+      <p:nvGrpSpPr>
+        <p:cNvPr id="1" name=""/>
+        <p:cNvGrpSpPr/>
+        <p:nvPr/>
+      </p:nvGrpSpPr>
+      <p:grpSpPr>
+        <a:xfrm>
+          <a:off x="0" y="0"/>
+          <a:ext cx="0" cy="0"/>
+          <a:chOff x="0" y="0"/>
+          <a:chExt cx="0" cy="0"/>
+        </a:xfrm>
+      </p:grpSpPr>
+      <p:sp>
+        <p:nvSpPr>
+          <p:cNvPr id="17" name="Rectangle 16">
+            <a:extLst>
+              <a:ext uri="{FF2B5EF4-FFF2-40B4-BE49-F238E27FC236}">
+                <a16:creationId xmlns:a16="http://schemas.microsoft.com/office/drawing/2014/main" id="{FB5B0058-AF13-4859-B429-4EDDE2A26F7F}"/>
+              </a:ext>
+              <a:ext uri="{C183D7F6-B498-43B3-948B-1728B52AA6E4}">
+                <adec:decorative xmlns:adec="http://schemas.microsoft.com/office/drawing/2017/decorative" val="1"/>
+              </a:ext>
+            </a:extLst>
+          </p:cNvPr>
+          <p:cNvSpPr>
+            <a:spLocks noGrp="1" noRot="1" noChangeAspect="1" noMove="1" noResize="1" noEditPoints="1" noAdjustHandles="1" noChangeArrowheads="1" noChangeShapeType="1" noTextEdit="1"/>
+          </p:cNvSpPr>
+          <p:nvPr>
+            <p:extLst>
+              <p:ext uri="{386F3935-93C4-4BCD-93E2-E3B085C9AB24}">
+                <p16:designElem xmlns:p16="http://schemas.microsoft.com/office/powerpoint/2015/main" val="1"/>
+              </p:ext>
+            </p:extLst>
+          </p:nvPr>
+        </p:nvSpPr>
+        <p:spPr>
+          <a:xfrm>
+            <a:off x="0" y="0"/>
+            <a:ext cx="12192000" cy="6858000"/>
+          </a:xfrm>
+          <a:prstGeom prst="rect">
+            <a:avLst/>
+          </a:prstGeom>
+          <a:solidFill>
+            <a:schemeClr val="tx1">
+              <a:lumMod val="95000"/>
+              <a:lumOff val="5000"/>
+            </a:schemeClr>
+          </a:solidFill>
+          <a:ln>
+            <a:noFill/>
+          </a:ln>
+        </p:spPr>
+        <p:style>
+          <a:lnRef idx="2">
+            <a:schemeClr val="accent1">
+              <a:shade val="50000"/>
+            </a:schemeClr>
+          </a:lnRef>
+          <a:fillRef idx="1">
+            <a:schemeClr val="accent1"/>
+          </a:fillRef>
+          <a:effectRef idx="0">
+            <a:schemeClr val="accent1"/>
+          </a:effectRef>
+          <a:fontRef idx="minor">
+            <a:schemeClr val="lt1"/>
+          </a:fontRef>
+        </p:style>
+        <p:txBody>
+          <a:bodyPr rtlCol="0" anchor="ctr"/>
+          <a:lstStyle/>
+          <a:p>
+            <a:pPr algn="ctr"/>
+            <a:endParaRPr lang="en-US" dirty="0"/>
+          </a:p>
+        </p:txBody>
+      </p:sp>
+      <p:sp>
+        <p:nvSpPr>
+          <p:cNvPr id="2" name="Cím 1">
+            <a:extLst>
+              <a:ext uri="{FF2B5EF4-FFF2-40B4-BE49-F238E27FC236}">
+                <a16:creationId xmlns:a16="http://schemas.microsoft.com/office/drawing/2014/main" id="{318C80E7-804E-1C62-07D8-11DF15823322}"/>
+              </a:ext>
+            </a:extLst>
+          </p:cNvPr>
+          <p:cNvSpPr>
+            <a:spLocks noGrp="1"/>
+          </p:cNvSpPr>
+          <p:nvPr>
+            <p:ph type="ctrTitle"/>
+          </p:nvPr>
+        </p:nvSpPr>
+        <p:spPr>
+          <a:xfrm>
+            <a:off x="6687737" y="1338267"/>
+            <a:ext cx="4605340" cy="2387600"/>
+          </a:xfrm>
+        </p:spPr>
+        <p:txBody>
+          <a:bodyPr>
+            <a:normAutofit/>
+          </a:bodyPr>
+          <a:lstStyle/>
+          <a:p>
+            <a:pPr algn="l"/>
+            <a:r>
+              <a:rPr lang="hu-HU" sz="5000" dirty="0">
+                <a:solidFill>
+                  <a:schemeClr val="bg1"/>
+                </a:solidFill>
+              </a:rPr>
+              <a:t>A </a:t>
+            </a:r>
+            <a:r>
+              <a:rPr lang="hu-HU" sz="5000" dirty="0" err="1">
+                <a:solidFill>
+                  <a:schemeClr val="bg1"/>
+                </a:solidFill>
+              </a:rPr>
+              <a:t>Tic</a:t>
+            </a:r>
+            <a:r>
+              <a:rPr lang="hu-HU" sz="5000" dirty="0">
+                <a:solidFill>
+                  <a:schemeClr val="bg1"/>
+                </a:solidFill>
+              </a:rPr>
+              <a:t> </a:t>
+            </a:r>
+            <a:r>
+              <a:rPr lang="hu-HU" sz="5000" dirty="0" err="1">
+                <a:solidFill>
+                  <a:schemeClr val="bg1"/>
+                </a:solidFill>
+              </a:rPr>
+              <a:t>Tac</a:t>
+            </a:r>
+            <a:r>
+              <a:rPr lang="hu-HU" sz="5000" dirty="0">
+                <a:solidFill>
+                  <a:schemeClr val="bg1"/>
+                </a:solidFill>
+              </a:rPr>
+              <a:t> </a:t>
+            </a:r>
+            <a:r>
+              <a:rPr lang="hu-HU" sz="5000" dirty="0" err="1">
+                <a:solidFill>
+                  <a:schemeClr val="bg1"/>
+                </a:solidFill>
+              </a:rPr>
+              <a:t>Toe</a:t>
+            </a:r>
+            <a:r>
+              <a:rPr lang="hu-HU" sz="5000" dirty="0">
+                <a:solidFill>
+                  <a:schemeClr val="bg1"/>
+                </a:solidFill>
+              </a:rPr>
+              <a:t> működése</a:t>
+            </a:r>
+          </a:p>
+        </p:txBody>
+      </p:sp>
+      <p:sp>
+        <p:nvSpPr>
+          <p:cNvPr id="3" name="Alcím 2">
+            <a:extLst>
+              <a:ext uri="{FF2B5EF4-FFF2-40B4-BE49-F238E27FC236}">
+                <a16:creationId xmlns:a16="http://schemas.microsoft.com/office/drawing/2014/main" id="{B1DC2CDB-1B96-07EC-4683-ABBBA1E655D1}"/>
+              </a:ext>
+            </a:extLst>
+          </p:cNvPr>
+          <p:cNvSpPr>
+            <a:spLocks noGrp="1"/>
+          </p:cNvSpPr>
+          <p:nvPr>
+            <p:ph type="subTitle" idx="1"/>
+          </p:nvPr>
+        </p:nvSpPr>
+        <p:spPr>
+          <a:xfrm>
+            <a:off x="6687737" y="3863970"/>
+            <a:ext cx="4605340" cy="2285817"/>
+          </a:xfrm>
+        </p:spPr>
+        <p:txBody>
+          <a:bodyPr>
+            <a:normAutofit/>
+          </a:bodyPr>
+          <a:lstStyle/>
+          <a:p>
+            <a:pPr algn="l"/>
+            <a:r>
+              <a:rPr lang="hu-HU" sz="2000" dirty="0">
+                <a:solidFill>
+                  <a:schemeClr val="bg1"/>
+                </a:solidFill>
+              </a:rPr>
+              <a:t>Az egyik mezőbe kattintva az 1. játékos megkezdi a játszmát, majd a 2. játékos kerül sorra. Abban az esetbe mikor senkinek se lesz 3 mezője akkor döntetlen a játék. Újraindítás gombbal új menetet kezdhetünk.</a:t>
+            </a:r>
+          </a:p>
+        </p:txBody>
+      </p:sp>
+      <p:sp>
+        <p:nvSpPr>
+          <p:cNvPr id="19" name="Rectangle 18">
+            <a:extLst>
+              <a:ext uri="{FF2B5EF4-FFF2-40B4-BE49-F238E27FC236}">
+                <a16:creationId xmlns:a16="http://schemas.microsoft.com/office/drawing/2014/main" id="{D84C2E9E-0B5D-4B5F-9A1F-70EBDCE39034}"/>
+              </a:ext>
+              <a:ext uri="{C183D7F6-B498-43B3-948B-1728B52AA6E4}">
+                <adec:decorative xmlns:adec="http://schemas.microsoft.com/office/drawing/2017/decorative" val="1"/>
+              </a:ext>
+            </a:extLst>
+          </p:cNvPr>
+          <p:cNvSpPr>
+            <a:spLocks noGrp="1" noRot="1" noChangeAspect="1" noMove="1" noResize="1" noEditPoints="1" noAdjustHandles="1" noChangeArrowheads="1" noChangeShapeType="1" noTextEdit="1"/>
+          </p:cNvSpPr>
+          <p:nvPr>
+            <p:extLst>
+              <p:ext uri="{386F3935-93C4-4BCD-93E2-E3B085C9AB24}">
+                <p16:designElem xmlns:p16="http://schemas.microsoft.com/office/powerpoint/2015/main" val="1"/>
+              </p:ext>
+            </p:extLst>
+          </p:nvPr>
+        </p:nvSpPr>
+        <p:spPr>
+          <a:xfrm>
+            <a:off x="602461" y="1197769"/>
+            <a:ext cx="10987078" cy="4462463"/>
+          </a:xfrm>
+          <a:prstGeom prst="rect">
+            <a:avLst/>
+          </a:prstGeom>
+          <a:noFill/>
+          <a:ln w="12700">
+            <a:solidFill>
+              <a:schemeClr val="accent2"/>
+            </a:solidFill>
+          </a:ln>
+        </p:spPr>
+        <p:style>
+          <a:lnRef idx="2">
+            <a:schemeClr val="accent1">
+              <a:shade val="50000"/>
+            </a:schemeClr>
+          </a:lnRef>
+          <a:fillRef idx="1">
+            <a:schemeClr val="accent1"/>
+          </a:fillRef>
+          <a:effectRef idx="0">
+            <a:schemeClr val="accent1"/>
+          </a:effectRef>
+          <a:fontRef idx="minor">
+            <a:schemeClr val="lt1"/>
+          </a:fontRef>
+        </p:style>
+        <p:txBody>
+          <a:bodyPr rtlCol="0" anchor="ctr"/>
+          <a:lstStyle/>
+          <a:p>
+            <a:pPr algn="ctr"/>
+            <a:endParaRPr lang="en-US"/>
+          </a:p>
+        </p:txBody>
+      </p:sp>
+      <p:sp>
+        <p:nvSpPr>
+          <p:cNvPr id="21" name="Rectangle 20">
+            <a:extLst>
+              <a:ext uri="{FF2B5EF4-FFF2-40B4-BE49-F238E27FC236}">
+                <a16:creationId xmlns:a16="http://schemas.microsoft.com/office/drawing/2014/main" id="{EF36B2BE-65F4-46E3-AFDD-A9AE9E885071}"/>
+              </a:ext>
+              <a:ext uri="{C183D7F6-B498-43B3-948B-1728B52AA6E4}">
+                <adec:decorative xmlns:adec="http://schemas.microsoft.com/office/drawing/2017/decorative" val="1"/>
+              </a:ext>
+            </a:extLst>
+          </p:cNvPr>
+          <p:cNvSpPr>
+            <a:spLocks noGrp="1" noRot="1" noChangeAspect="1" noMove="1" noResize="1" noEditPoints="1" noAdjustHandles="1" noChangeArrowheads="1" noChangeShapeType="1" noTextEdit="1"/>
+          </p:cNvSpPr>
+          <p:nvPr>
+            <p:extLst>
+              <p:ext uri="{386F3935-93C4-4BCD-93E2-E3B085C9AB24}">
+                <p16:designElem xmlns:p16="http://schemas.microsoft.com/office/powerpoint/2015/main" val="1"/>
+              </p:ext>
+            </p:extLst>
+          </p:nvPr>
+        </p:nvSpPr>
+        <p:spPr>
+          <a:xfrm>
+            <a:off x="126206" y="115193"/>
+            <a:ext cx="11939588" cy="6627614"/>
+          </a:xfrm>
+          <a:prstGeom prst="rect">
+            <a:avLst/>
+          </a:prstGeom>
+          <a:noFill/>
+          <a:ln w="12700">
+            <a:solidFill>
+              <a:schemeClr val="accent2"/>
+            </a:solidFill>
+          </a:ln>
+        </p:spPr>
+        <p:style>
+          <a:lnRef idx="2">
+            <a:schemeClr val="accent1">
+              <a:shade val="50000"/>
+            </a:schemeClr>
+          </a:lnRef>
+          <a:fillRef idx="1">
+            <a:schemeClr val="accent1"/>
+          </a:fillRef>
+          <a:effectRef idx="0">
+            <a:schemeClr val="accent1"/>
+          </a:effectRef>
+          <a:fontRef idx="minor">
+            <a:schemeClr val="lt1"/>
+          </a:fontRef>
+        </p:style>
+        <p:txBody>
+          <a:bodyPr rtlCol="0" anchor="ctr"/>
+          <a:lstStyle/>
+          <a:p>
+            <a:pPr algn="ctr"/>
+            <a:endParaRPr lang="en-US"/>
+          </a:p>
+        </p:txBody>
+      </p:sp>
+      <p:pic>
+        <p:nvPicPr>
+          <p:cNvPr id="6" name="Kép 5">
+            <a:extLst>
+              <a:ext uri="{FF2B5EF4-FFF2-40B4-BE49-F238E27FC236}">
+                <a16:creationId xmlns:a16="http://schemas.microsoft.com/office/drawing/2014/main" id="{0F62987B-BF45-4117-B10A-35FCF4D9B4A5}"/>
+              </a:ext>
+            </a:extLst>
+          </p:cNvPr>
+          <p:cNvPicPr>
+            <a:picLocks noChangeAspect="1"/>
+          </p:cNvPicPr>
+          <p:nvPr/>
+        </p:nvPicPr>
+        <p:blipFill>
+          <a:blip r:embed="rId2">
+            <a:extLst>
+              <a:ext uri="{28A0092B-C50C-407E-A947-70E740481C1C}">
+                <a14:useLocalDpi xmlns:a14="http://schemas.microsoft.com/office/drawing/2010/main" val="0"/>
+              </a:ext>
+            </a:extLst>
+          </a:blip>
+          <a:stretch>
+            <a:fillRect/>
+          </a:stretch>
+        </p:blipFill>
+        <p:spPr>
+          <a:xfrm>
+            <a:off x="1309367" y="274046"/>
+            <a:ext cx="4671465" cy="6309907"/>
+          </a:xfrm>
+          <a:prstGeom prst="rect">
+            <a:avLst/>
+          </a:prstGeom>
+        </p:spPr>
+      </p:pic>
+    </p:spTree>
+    <p:extLst>
+      <p:ext uri="{BB962C8B-B14F-4D97-AF65-F5344CB8AC3E}">
+        <p14:creationId xmlns:p14="http://schemas.microsoft.com/office/powerpoint/2010/main" val="198145330"/>
+      </p:ext>
+    </p:extLst>
+  </p:cSld>
+  <p:clrMapOvr>
+    <a:masterClrMapping/>
+  </p:clrMapOvr>
+  <p:timing>
+    <p:tnLst>
+      <p:par>
+        <p:cTn id="1" dur="indefinite" restart="never" nodeType="tmRoot">
+          <p:childTnLst>
+            <p:seq concurrent="1" nextAc="seek">
+              <p:cTn id="2" dur="indefinite" nodeType="mainSeq">
+                <p:childTnLst>
+                  <p:par>
+                    <p:cTn id="3" fill="hold">
+                      <p:stCondLst>
+                        <p:cond delay="indefinite"/>
+                        <p:cond evt="onBegin" delay="0">
+                          <p:tn val="2"/>
+                        </p:cond>
+                      </p:stCondLst>
+                      <p:childTnLst>
+                        <p:par>
+                          <p:cTn id="4" fill="hold">
+                            <p:stCondLst>
+                              <p:cond delay="0"/>
+                            </p:stCondLst>
+                            <p:childTnLst>
+                              <p:par>
+                                <p:cTn id="5" presetID="10" presetClass="entr" presetSubtype="0" fill="hold" grpId="0" nodeType="withEffect">
+                                  <p:stCondLst>
+                                    <p:cond delay="1000"/>
+                                  </p:stCondLst>
+                                  <p:iterate type="lt">
+                                    <p:tmPct val="10000"/>
+                                  </p:iterate>
+                                  <p:childTnLst>
+                                    <p:set>
+                                      <p:cBhvr>
+                                        <p:cTn id="6" dur="1" fill="hold">
+                                          <p:stCondLst>
+                                            <p:cond delay="0"/>
+                                          </p:stCondLst>
+                                        </p:cTn>
+                                        <p:tgtEl>
+                                          <p:spTgt spid="2"/>
+                                        </p:tgtEl>
+                                        <p:attrNameLst>
+                                          <p:attrName>style.visibility</p:attrName>
+                                        </p:attrNameLst>
+                                      </p:cBhvr>
+                                      <p:to>
+                                        <p:strVal val="visible"/>
+                                      </p:to>
+                                    </p:set>
+                                    <p:animEffect transition="in" filter="fade">
+                                      <p:cBhvr>
+                                        <p:cTn id="7" dur="400"/>
+                                        <p:tgtEl>
+                                          <p:spTgt spid="2"/>
+                                        </p:tgtEl>
+                                      </p:cBhvr>
+                                    </p:animEffect>
+                                  </p:childTnLst>
+                                </p:cTn>
+                              </p:par>
+                              <p:par>
+                                <p:cTn id="8" presetID="10" presetClass="entr" presetSubtype="0" fill="hold" grpId="0" nodeType="withEffect">
+                                  <p:stCondLst>
+                                    <p:cond delay="2000"/>
+                                  </p:stCondLst>
+                                  <p:iterate type="lt">
+                                    <p:tmPct val="10000"/>
+                                  </p:iterate>
+                                  <p:childTnLst>
+                                    <p:set>
+                                      <p:cBhvr>
+                                        <p:cTn id="9" dur="1" fill="hold">
+                                          <p:stCondLst>
+                                            <p:cond delay="0"/>
+                                          </p:stCondLst>
+                                        </p:cTn>
+                                        <p:tgtEl>
+                                          <p:spTgt spid="3">
+                                            <p:txEl>
+                                              <p:pRg st="0" end="0"/>
+                                            </p:txEl>
+                                          </p:spTgt>
+                                        </p:tgtEl>
+                                        <p:attrNameLst>
+                                          <p:attrName>style.visibility</p:attrName>
+                                        </p:attrNameLst>
+                                      </p:cBhvr>
+                                      <p:to>
+                                        <p:strVal val="visible"/>
+                                      </p:to>
+                                    </p:set>
+                                    <p:animEffect transition="in" filter="fade">
+                                      <p:cBhvr>
+                                        <p:cTn id="10" dur="400"/>
+                                        <p:tgtEl>
+                                          <p:spTgt spid="3">
+                                            <p:txEl>
+                                              <p:pRg st="0" end="0"/>
+                                            </p:txEl>
+                                          </p:spTgt>
+                                        </p:tgtEl>
+                                      </p:cBhvr>
+                                    </p:animEffect>
+                                  </p:childTnLst>
+                                </p:cTn>
+                              </p:par>
+                            </p:childTnLst>
+                          </p:cTn>
+                        </p:par>
+                      </p:childTnLst>
+                    </p:cTn>
+                  </p:par>
+                </p:childTnLst>
+              </p:cTn>
+              <p:prevCondLst>
+                <p:cond evt="onPrev" delay="0">
+                  <p:tgtEl>
+                    <p:sldTgt/>
+                  </p:tgtEl>
+                </p:cond>
+              </p:prevCondLst>
+              <p:nextCondLst>
+                <p:cond evt="onNext" delay="0">
+                  <p:tgtEl>
+                    <p:sldTgt/>
+                  </p:tgtEl>
+                </p:cond>
+              </p:nextCondLst>
+            </p:seq>
+          </p:childTnLst>
+        </p:cTn>
+      </p:par>
+    </p:tnLst>
+    <p:bldLst>
+      <p:bldP spid="2" grpId="0"/>
+      <p:bldP spid="3" grpId="0" build="p"/>
+    </p:bldLst>
+  </p:timing>
+</p:sld>
+</file>
+
+<file path=ppt/slides/slide5.xml><?xml version="1.0" encoding="utf-8"?>
+<p:sld xmlns:a="http://schemas.openxmlformats.org/drawingml/2006/main" xmlns:r="http://schemas.openxmlformats.org/officeDocument/2006/relationships" xmlns:p="http://schemas.openxmlformats.org/presentationml/2006/main">
+  <p:cSld>
+    <p:bg>
+      <p:bgPr>
+        <a:solidFill>
+          <a:schemeClr val="bg1"/>
+        </a:solidFill>
+        <a:effectLst/>
+      </p:bgPr>
+    </p:bg>
+    <p:spTree>
+      <p:nvGrpSpPr>
+        <p:cNvPr id="1" name=""/>
+        <p:cNvGrpSpPr/>
+        <p:nvPr/>
+      </p:nvGrpSpPr>
+      <p:grpSpPr>
+        <a:xfrm>
+          <a:off x="0" y="0"/>
+          <a:ext cx="0" cy="0"/>
+          <a:chOff x="0" y="0"/>
+          <a:chExt cx="0" cy="0"/>
+        </a:xfrm>
+      </p:grpSpPr>
+      <p:sp>
+        <p:nvSpPr>
+          <p:cNvPr id="19" name="Rectangle 18">
+            <a:extLst>
+              <a:ext uri="{FF2B5EF4-FFF2-40B4-BE49-F238E27FC236}">
+                <a16:creationId xmlns:a16="http://schemas.microsoft.com/office/drawing/2014/main" id="{55C01129-3453-464D-A870-ED71C6E89D60}"/>
+              </a:ext>
+              <a:ext uri="{C183D7F6-B498-43B3-948B-1728B52AA6E4}">
+                <adec:decorative xmlns:adec="http://schemas.microsoft.com/office/drawing/2017/decorative" val="1"/>
+              </a:ext>
+            </a:extLst>
+          </p:cNvPr>
+          <p:cNvSpPr>
+            <a:spLocks noGrp="1" noRot="1" noChangeAspect="1" noMove="1" noResize="1" noEditPoints="1" noAdjustHandles="1" noChangeArrowheads="1" noChangeShapeType="1" noTextEdit="1"/>
+          </p:cNvSpPr>
+          <p:nvPr>
+            <p:extLst>
+              <p:ext uri="{386F3935-93C4-4BCD-93E2-E3B085C9AB24}">
+                <p16:designElem xmlns:p16="http://schemas.microsoft.com/office/powerpoint/2015/main" val="1"/>
+              </p:ext>
+            </p:extLst>
+          </p:nvPr>
+        </p:nvSpPr>
+        <p:spPr>
+          <a:xfrm>
+            <a:off x="0" y="0"/>
+            <a:ext cx="12192000" cy="6858000"/>
+          </a:xfrm>
+          <a:prstGeom prst="rect">
+            <a:avLst/>
+          </a:prstGeom>
+          <a:solidFill>
+            <a:schemeClr val="tx1"/>
+          </a:solidFill>
+          <a:ln w="12700" cap="flat" cmpd="sng" algn="ctr">
+            <a:noFill/>
+            <a:prstDash val="solid"/>
+            <a:miter lim="800000"/>
+          </a:ln>
+          <a:effectLst/>
+        </p:spPr>
+        <p:style>
+          <a:lnRef idx="2">
+            <a:schemeClr val="accent1">
+              <a:shade val="50000"/>
+            </a:schemeClr>
+          </a:lnRef>
+          <a:fillRef idx="1">
+            <a:schemeClr val="accent1"/>
+          </a:fillRef>
+          <a:effectRef idx="0">
+            <a:schemeClr val="accent1"/>
+          </a:effectRef>
+          <a:fontRef idx="minor">
+            <a:schemeClr val="lt1"/>
+          </a:fontRef>
+        </p:style>
+        <p:txBody>
+          <a:bodyPr rtlCol="0" anchor="ctr"/>
+          <a:lstStyle/>
+          <a:p>
+            <a:pPr algn="ctr"/>
+            <a:endParaRPr lang="en-US"/>
+          </a:p>
+        </p:txBody>
+      </p:sp>
+      <p:sp>
+        <p:nvSpPr>
+          <p:cNvPr id="21" name="Rectangle 20">
+            <a:extLst>
+              <a:ext uri="{FF2B5EF4-FFF2-40B4-BE49-F238E27FC236}">
+                <a16:creationId xmlns:a16="http://schemas.microsoft.com/office/drawing/2014/main" id="{9D2781A6-5C82-4764-B489-F9A599C0A7EB}"/>
+              </a:ext>
+              <a:ext uri="{C183D7F6-B498-43B3-948B-1728B52AA6E4}">
+                <adec:decorative xmlns:adec="http://schemas.microsoft.com/office/drawing/2017/decorative" val="1"/>
+              </a:ext>
+            </a:extLst>
+          </p:cNvPr>
+          <p:cNvSpPr>
+            <a:spLocks noGrp="1" noRot="1" noChangeAspect="1" noMove="1" noResize="1" noEditPoints="1" noAdjustHandles="1" noChangeArrowheads="1" noChangeShapeType="1" noTextEdit="1"/>
+          </p:cNvSpPr>
+          <p:nvPr>
+            <p:extLst>
+              <p:ext uri="{386F3935-93C4-4BCD-93E2-E3B085C9AB24}">
+                <p16:designElem xmlns:p16="http://schemas.microsoft.com/office/powerpoint/2015/main" val="1"/>
+              </p:ext>
+            </p:extLst>
+          </p:nvPr>
+        </p:nvSpPr>
+        <p:spPr>
+          <a:xfrm>
+            <a:off x="3598833" y="685800"/>
+            <a:ext cx="5004061" cy="5486400"/>
+          </a:xfrm>
+          <a:prstGeom prst="rect">
+            <a:avLst/>
+          </a:prstGeom>
+          <a:solidFill>
+            <a:schemeClr val="tx2">
+              <a:alpha val="40000"/>
+            </a:schemeClr>
+          </a:solidFill>
+          <a:ln>
+            <a:noFill/>
+          </a:ln>
+        </p:spPr>
+        <p:style>
+          <a:lnRef idx="2">
+            <a:schemeClr val="accent1">
+              <a:shade val="50000"/>
+            </a:schemeClr>
+          </a:lnRef>
+          <a:fillRef idx="1">
+            <a:schemeClr val="accent1"/>
+          </a:fillRef>
+          <a:effectRef idx="0">
+            <a:schemeClr val="accent1"/>
+          </a:effectRef>
+          <a:fontRef idx="minor">
+            <a:schemeClr val="lt1"/>
+          </a:fontRef>
+        </p:style>
+        <p:txBody>
+          <a:bodyPr rtlCol="0" anchor="ctr"/>
+          <a:lstStyle/>
+          <a:p>
+            <a:pPr algn="ctr"/>
+            <a:endParaRPr lang="en-US"/>
+          </a:p>
+        </p:txBody>
+      </p:sp>
+      <p:sp>
+        <p:nvSpPr>
+          <p:cNvPr id="2" name="Cím 1">
+            <a:extLst>
+              <a:ext uri="{FF2B5EF4-FFF2-40B4-BE49-F238E27FC236}">
+                <a16:creationId xmlns:a16="http://schemas.microsoft.com/office/drawing/2014/main" id="{F8894D88-BF04-01F1-358F-070AC6E507E0}"/>
+              </a:ext>
+            </a:extLst>
+          </p:cNvPr>
+          <p:cNvSpPr>
+            <a:spLocks noGrp="1"/>
+          </p:cNvSpPr>
+          <p:nvPr>
+            <p:ph type="title"/>
+          </p:nvPr>
+        </p:nvSpPr>
+        <p:spPr>
+          <a:xfrm>
+            <a:off x="4086447" y="1084521"/>
+            <a:ext cx="4019107" cy="1361347"/>
+          </a:xfrm>
+        </p:spPr>
+        <p:txBody>
+          <a:bodyPr anchor="b">
+            <a:normAutofit/>
+          </a:bodyPr>
+          <a:lstStyle/>
+          <a:p>
+            <a:pPr algn="ctr"/>
+            <a:r>
+              <a:rPr lang="hu-HU" sz="2800">
+                <a:solidFill>
+                  <a:schemeClr val="bg1">
+                    <a:alpha val="60000"/>
+                  </a:schemeClr>
+                </a:solidFill>
+              </a:rPr>
+              <a:t>Felépülés</a:t>
+            </a:r>
+          </a:p>
+        </p:txBody>
+      </p:sp>
+      <p:sp>
+        <p:nvSpPr>
+          <p:cNvPr id="3" name="Tartalom helye 2">
+            <a:extLst>
+              <a:ext uri="{FF2B5EF4-FFF2-40B4-BE49-F238E27FC236}">
+                <a16:creationId xmlns:a16="http://schemas.microsoft.com/office/drawing/2014/main" id="{2E9D04B3-2FA1-59CE-0612-1E5D4E2DF625}"/>
+              </a:ext>
+            </a:extLst>
+          </p:cNvPr>
+          <p:cNvSpPr>
+            <a:spLocks noGrp="1"/>
+          </p:cNvSpPr>
+          <p:nvPr>
+            <p:ph idx="1"/>
+          </p:nvPr>
+        </p:nvSpPr>
+        <p:spPr>
+          <a:xfrm>
+            <a:off x="4107712" y="2732739"/>
+            <a:ext cx="3976577" cy="3083270"/>
+          </a:xfrm>
+        </p:spPr>
+        <p:txBody>
+          <a:bodyPr anchor="t">
+            <a:normAutofit/>
+          </a:bodyPr>
+          <a:lstStyle/>
+          <a:p>
+            <a:pPr algn="ctr"/>
+            <a:r>
+              <a:rPr lang="hu-HU" sz="2000" dirty="0">
+                <a:solidFill>
+                  <a:schemeClr val="bg1"/>
+                </a:solidFill>
+              </a:rPr>
+              <a:t>Üres mezők létrehozása</a:t>
+            </a:r>
+          </a:p>
+          <a:p>
+            <a:pPr algn="ctr"/>
+            <a:r>
+              <a:rPr lang="hu-HU" sz="2000" dirty="0">
+                <a:solidFill>
+                  <a:schemeClr val="bg1"/>
+                </a:solidFill>
+              </a:rPr>
+              <a:t>1. játékos megfigyelése</a:t>
+            </a:r>
+          </a:p>
+          <a:p>
+            <a:pPr algn="ctr"/>
+            <a:r>
+              <a:rPr lang="hu-HU" sz="2000" dirty="0">
+                <a:solidFill>
+                  <a:schemeClr val="bg1"/>
+                </a:solidFill>
+              </a:rPr>
+              <a:t>2. játékos megfigyelése</a:t>
+            </a:r>
+          </a:p>
+          <a:p>
+            <a:pPr algn="ctr"/>
+            <a:r>
+              <a:rPr lang="hu-HU" sz="2000" dirty="0">
+                <a:solidFill>
+                  <a:schemeClr val="bg1"/>
+                </a:solidFill>
+              </a:rPr>
+              <a:t>Döntetlen ellenőrző</a:t>
+            </a:r>
+          </a:p>
+          <a:p>
+            <a:pPr algn="ctr"/>
+            <a:r>
+              <a:rPr lang="hu-HU" sz="2000" dirty="0">
+                <a:solidFill>
+                  <a:schemeClr val="bg1"/>
+                </a:solidFill>
+              </a:rPr>
+              <a:t>Eredmény</a:t>
+            </a:r>
+          </a:p>
+          <a:p>
+            <a:pPr algn="ctr"/>
+            <a:r>
+              <a:rPr lang="hu-HU" sz="2000" dirty="0">
+                <a:solidFill>
+                  <a:schemeClr val="bg1"/>
+                </a:solidFill>
+              </a:rPr>
+              <a:t>Újraindítás</a:t>
+            </a:r>
+          </a:p>
+          <a:p>
+            <a:pPr algn="ctr"/>
+            <a:r>
+              <a:rPr lang="hu-HU" sz="2000" dirty="0">
+                <a:solidFill>
+                  <a:schemeClr val="bg1"/>
+                </a:solidFill>
+              </a:rPr>
+              <a:t>Játékos figyelő és </a:t>
+            </a:r>
+            <a:r>
+              <a:rPr lang="hu-HU" sz="2000" dirty="0" err="1">
+                <a:solidFill>
+                  <a:schemeClr val="bg1"/>
+                </a:solidFill>
+              </a:rPr>
+              <a:t>x,o</a:t>
+            </a:r>
+            <a:r>
+              <a:rPr lang="hu-HU" sz="2000" dirty="0">
+                <a:solidFill>
+                  <a:schemeClr val="bg1"/>
+                </a:solidFill>
+              </a:rPr>
+              <a:t> kiíró</a:t>
+            </a:r>
+          </a:p>
+        </p:txBody>
+      </p:sp>
+      <p:pic>
+        <p:nvPicPr>
+          <p:cNvPr id="9" name="Kép 8">
+            <a:extLst>
+              <a:ext uri="{FF2B5EF4-FFF2-40B4-BE49-F238E27FC236}">
+                <a16:creationId xmlns:a16="http://schemas.microsoft.com/office/drawing/2014/main" id="{92023F7B-1781-4446-B2C4-04B7F55AEA8C}"/>
+              </a:ext>
+            </a:extLst>
+          </p:cNvPr>
+          <p:cNvPicPr>
+            <a:picLocks noChangeAspect="1"/>
+          </p:cNvPicPr>
+          <p:nvPr/>
+        </p:nvPicPr>
+        <p:blipFill>
+          <a:blip r:embed="rId2">
+            <a:extLst>
+              <a:ext uri="{28A0092B-C50C-407E-A947-70E740481C1C}">
+                <a14:useLocalDpi xmlns:a14="http://schemas.microsoft.com/office/drawing/2010/main" val="0"/>
+              </a:ext>
+            </a:extLst>
+          </a:blip>
+          <a:stretch>
+            <a:fillRect/>
+          </a:stretch>
+        </p:blipFill>
+        <p:spPr>
+          <a:xfrm>
+            <a:off x="47605" y="917992"/>
+            <a:ext cx="3551228" cy="5022015"/>
+          </a:xfrm>
+          <a:prstGeom prst="rect">
+            <a:avLst/>
+          </a:prstGeom>
+        </p:spPr>
+      </p:pic>
+      <p:pic>
+        <p:nvPicPr>
+          <p:cNvPr id="11" name="Kép 10">
+            <a:extLst>
+              <a:ext uri="{FF2B5EF4-FFF2-40B4-BE49-F238E27FC236}">
+                <a16:creationId xmlns:a16="http://schemas.microsoft.com/office/drawing/2014/main" id="{EAD50584-75CE-40F3-884A-BDD945941CFB}"/>
+              </a:ext>
+            </a:extLst>
+          </p:cNvPr>
+          <p:cNvPicPr>
+            <a:picLocks noChangeAspect="1"/>
+          </p:cNvPicPr>
+          <p:nvPr/>
+        </p:nvPicPr>
+        <p:blipFill>
+          <a:blip r:embed="rId3">
+            <a:extLst>
+              <a:ext uri="{28A0092B-C50C-407E-A947-70E740481C1C}">
+                <a14:useLocalDpi xmlns:a14="http://schemas.microsoft.com/office/drawing/2010/main" val="0"/>
+              </a:ext>
+            </a:extLst>
+          </a:blip>
+          <a:stretch>
+            <a:fillRect/>
+          </a:stretch>
+        </p:blipFill>
+        <p:spPr>
+          <a:xfrm>
+            <a:off x="8624981" y="366305"/>
+            <a:ext cx="3619814" cy="2933954"/>
+          </a:xfrm>
+          <a:prstGeom prst="rect">
+            <a:avLst/>
+          </a:prstGeom>
+        </p:spPr>
+      </p:pic>
+      <p:pic>
+        <p:nvPicPr>
+          <p:cNvPr id="13" name="Kép 12">
+            <a:extLst>
+              <a:ext uri="{FF2B5EF4-FFF2-40B4-BE49-F238E27FC236}">
+                <a16:creationId xmlns:a16="http://schemas.microsoft.com/office/drawing/2014/main" id="{220BA5AB-4A44-4B14-B442-B80797AB78A0}"/>
+              </a:ext>
+            </a:extLst>
+          </p:cNvPr>
+          <p:cNvPicPr>
+            <a:picLocks noChangeAspect="1"/>
+          </p:cNvPicPr>
+          <p:nvPr/>
+        </p:nvPicPr>
+        <p:blipFill>
+          <a:blip r:embed="rId4">
+            <a:extLst>
+              <a:ext uri="{28A0092B-C50C-407E-A947-70E740481C1C}">
+                <a14:useLocalDpi xmlns:a14="http://schemas.microsoft.com/office/drawing/2010/main" val="0"/>
+              </a:ext>
+            </a:extLst>
+          </a:blip>
+          <a:stretch>
+            <a:fillRect/>
+          </a:stretch>
+        </p:blipFill>
+        <p:spPr>
+          <a:xfrm>
+            <a:off x="7876825" y="3644587"/>
+            <a:ext cx="4267570" cy="2926334"/>
+          </a:xfrm>
+          <a:prstGeom prst="rect">
+            <a:avLst/>
+          </a:prstGeom>
+        </p:spPr>
+      </p:pic>
+    </p:spTree>
+    <p:extLst>
+      <p:ext uri="{BB962C8B-B14F-4D97-AF65-F5344CB8AC3E}">
+        <p14:creationId xmlns:p14="http://schemas.microsoft.com/office/powerpoint/2010/main" val="546165591"/>
+      </p:ext>
+    </p:extLst>
+  </p:cSld>
+  <p:clrMapOvr>
+    <a:masterClrMapping/>
+  </p:clrMapOvr>
+</p:sld>
+</file>
+
+<file path=ppt/slides/slide6.xml><?xml version="1.0" encoding="utf-8"?>
+<p:sld xmlns:a="http://schemas.openxmlformats.org/drawingml/2006/main" xmlns:r="http://schemas.openxmlformats.org/officeDocument/2006/relationships" xmlns:p="http://schemas.openxmlformats.org/presentationml/2006/main">
+  <p:cSld>
+    <p:bg>
+      <p:bgPr>
+        <a:solidFill>
+          <a:schemeClr val="bg1"/>
+        </a:solidFill>
+        <a:effectLst/>
+      </p:bgPr>
+    </p:bg>
+    <p:spTree>
+      <p:nvGrpSpPr>
+        <p:cNvPr id="1" name=""/>
+        <p:cNvGrpSpPr/>
+        <p:nvPr/>
+      </p:nvGrpSpPr>
+      <p:grpSpPr>
+        <a:xfrm>
+          <a:off x="0" y="0"/>
+          <a:ext cx="0" cy="0"/>
+          <a:chOff x="0" y="0"/>
+          <a:chExt cx="0" cy="0"/>
+        </a:xfrm>
+      </p:grpSpPr>
+      <p:sp>
+        <p:nvSpPr>
+          <p:cNvPr id="10" name="Rectangle 9">
+            <a:extLst>
+              <a:ext uri="{FF2B5EF4-FFF2-40B4-BE49-F238E27FC236}">
+                <a16:creationId xmlns:a16="http://schemas.microsoft.com/office/drawing/2014/main" id="{FB5B0058-AF13-4859-B429-4EDDE2A26F7F}"/>
+              </a:ext>
+              <a:ext uri="{C183D7F6-B498-43B3-948B-1728B52AA6E4}">
+                <adec:decorative xmlns:adec="http://schemas.microsoft.com/office/drawing/2017/decorative" val="1"/>
+              </a:ext>
+            </a:extLst>
+          </p:cNvPr>
+          <p:cNvSpPr>
+            <a:spLocks noGrp="1" noRot="1" noChangeAspect="1" noMove="1" noResize="1" noEditPoints="1" noAdjustHandles="1" noChangeArrowheads="1" noChangeShapeType="1" noTextEdit="1"/>
+          </p:cNvSpPr>
+          <p:nvPr>
+            <p:extLst>
+              <p:ext uri="{386F3935-93C4-4BCD-93E2-E3B085C9AB24}">
+                <p16:designElem xmlns:p16="http://schemas.microsoft.com/office/powerpoint/2015/main" val="1"/>
+              </p:ext>
+            </p:extLst>
+          </p:nvPr>
+        </p:nvSpPr>
+        <p:spPr>
+          <a:xfrm>
+            <a:off x="0" y="0"/>
+            <a:ext cx="12192000" cy="6858000"/>
+          </a:xfrm>
+          <a:prstGeom prst="rect">
+            <a:avLst/>
+          </a:prstGeom>
+          <a:solidFill>
+            <a:schemeClr val="tx1">
+              <a:lumMod val="95000"/>
+              <a:lumOff val="5000"/>
+            </a:schemeClr>
+          </a:solidFill>
+          <a:ln>
+            <a:noFill/>
+          </a:ln>
+        </p:spPr>
+        <p:style>
+          <a:lnRef idx="2">
+            <a:schemeClr val="accent1">
+              <a:shade val="50000"/>
+            </a:schemeClr>
+          </a:lnRef>
+          <a:fillRef idx="1">
+            <a:schemeClr val="accent1"/>
+          </a:fillRef>
+          <a:effectRef idx="0">
+            <a:schemeClr val="accent1"/>
+          </a:effectRef>
+          <a:fontRef idx="minor">
+            <a:schemeClr val="lt1"/>
+          </a:fontRef>
+        </p:style>
+        <p:txBody>
+          <a:bodyPr rtlCol="0" anchor="ctr"/>
+          <a:lstStyle/>
+          <a:p>
+            <a:pPr algn="ctr"/>
+            <a:endParaRPr lang="en-US" dirty="0"/>
+          </a:p>
+        </p:txBody>
+      </p:sp>
+      <p:sp>
+        <p:nvSpPr>
+          <p:cNvPr id="12" name="Rectangle 11">
+            <a:extLst>
+              <a:ext uri="{FF2B5EF4-FFF2-40B4-BE49-F238E27FC236}">
+                <a16:creationId xmlns:a16="http://schemas.microsoft.com/office/drawing/2014/main" id="{D84C2E9E-0B5D-4B5F-9A1F-70EBDCE39034}"/>
+              </a:ext>
+              <a:ext uri="{C183D7F6-B498-43B3-948B-1728B52AA6E4}">
+                <adec:decorative xmlns:adec="http://schemas.microsoft.com/office/drawing/2017/decorative" val="1"/>
+              </a:ext>
+            </a:extLst>
+          </p:cNvPr>
+          <p:cNvSpPr>
+            <a:spLocks noGrp="1" noRot="1" noChangeAspect="1" noMove="1" noResize="1" noEditPoints="1" noAdjustHandles="1" noChangeArrowheads="1" noChangeShapeType="1" noTextEdit="1"/>
+          </p:cNvSpPr>
+          <p:nvPr>
+            <p:extLst>
+              <p:ext uri="{386F3935-93C4-4BCD-93E2-E3B085C9AB24}">
+                <p16:designElem xmlns:p16="http://schemas.microsoft.com/office/powerpoint/2015/main" val="1"/>
+              </p:ext>
+            </p:extLst>
+          </p:nvPr>
+        </p:nvSpPr>
+        <p:spPr>
+          <a:xfrm>
+            <a:off x="602461" y="1197769"/>
+            <a:ext cx="10987078" cy="4462463"/>
+          </a:xfrm>
+          <a:prstGeom prst="rect">
+            <a:avLst/>
+          </a:prstGeom>
+          <a:noFill/>
+          <a:ln w="12700">
+            <a:solidFill>
+              <a:schemeClr val="accent2"/>
+            </a:solidFill>
+          </a:ln>
+        </p:spPr>
+        <p:style>
+          <a:lnRef idx="2">
+            <a:schemeClr val="accent1">
+              <a:shade val="50000"/>
+            </a:schemeClr>
+          </a:lnRef>
+          <a:fillRef idx="1">
+            <a:schemeClr val="accent1"/>
+          </a:fillRef>
+          <a:effectRef idx="0">
+            <a:schemeClr val="accent1"/>
+          </a:effectRef>
+          <a:fontRef idx="minor">
+            <a:schemeClr val="lt1"/>
+          </a:fontRef>
+        </p:style>
+        <p:txBody>
+          <a:bodyPr rtlCol="0" anchor="ctr"/>
+          <a:lstStyle/>
+          <a:p>
+            <a:pPr algn="ctr"/>
+            <a:endParaRPr lang="en-US"/>
+          </a:p>
+        </p:txBody>
+      </p:sp>
+      <p:sp>
+        <p:nvSpPr>
+          <p:cNvPr id="14" name="Rectangle 13">
+            <a:extLst>
+              <a:ext uri="{FF2B5EF4-FFF2-40B4-BE49-F238E27FC236}">
+                <a16:creationId xmlns:a16="http://schemas.microsoft.com/office/drawing/2014/main" id="{EF36B2BE-65F4-46E3-AFDD-A9AE9E885071}"/>
+              </a:ext>
+              <a:ext uri="{C183D7F6-B498-43B3-948B-1728B52AA6E4}">
+                <adec:decorative xmlns:adec="http://schemas.microsoft.com/office/drawing/2017/decorative" val="1"/>
+              </a:ext>
+            </a:extLst>
+          </p:cNvPr>
+          <p:cNvSpPr>
+            <a:spLocks noGrp="1" noRot="1" noChangeAspect="1" noMove="1" noResize="1" noEditPoints="1" noAdjustHandles="1" noChangeArrowheads="1" noChangeShapeType="1" noTextEdit="1"/>
+          </p:cNvSpPr>
+          <p:nvPr>
+            <p:extLst>
+              <p:ext uri="{386F3935-93C4-4BCD-93E2-E3B085C9AB24}">
+                <p16:designElem xmlns:p16="http://schemas.microsoft.com/office/powerpoint/2015/main" val="1"/>
+              </p:ext>
+            </p:extLst>
+          </p:nvPr>
+        </p:nvSpPr>
+        <p:spPr>
+          <a:xfrm>
+            <a:off x="126206" y="115193"/>
+            <a:ext cx="11939588" cy="6627614"/>
+          </a:xfrm>
+          <a:prstGeom prst="rect">
+            <a:avLst/>
+          </a:prstGeom>
+          <a:noFill/>
+          <a:ln w="12700">
+            <a:solidFill>
+              <a:schemeClr val="accent2"/>
+            </a:solidFill>
+          </a:ln>
+        </p:spPr>
+        <p:style>
+          <a:lnRef idx="2">
+            <a:schemeClr val="accent1">
+              <a:shade val="50000"/>
+            </a:schemeClr>
+          </a:lnRef>
+          <a:fillRef idx="1">
+            <a:schemeClr val="accent1"/>
+          </a:fillRef>
+          <a:effectRef idx="0">
+            <a:schemeClr val="accent1"/>
+          </a:effectRef>
+          <a:fontRef idx="minor">
+            <a:schemeClr val="lt1"/>
+          </a:fontRef>
+        </p:style>
+        <p:txBody>
+          <a:bodyPr rtlCol="0" anchor="ctr"/>
+          <a:lstStyle/>
+          <a:p>
+            <a:pPr algn="ctr"/>
+            <a:endParaRPr lang="en-US"/>
+          </a:p>
+        </p:txBody>
+      </p:sp>
+      <p:pic>
+        <p:nvPicPr>
+          <p:cNvPr id="8" name="Kép 7">
+            <a:extLst>
+              <a:ext uri="{FF2B5EF4-FFF2-40B4-BE49-F238E27FC236}">
+                <a16:creationId xmlns:a16="http://schemas.microsoft.com/office/drawing/2014/main" id="{2A8B42EC-2DFF-452C-987F-F5B6F0E66108}"/>
+              </a:ext>
+            </a:extLst>
+          </p:cNvPr>
+          <p:cNvPicPr>
+            <a:picLocks noChangeAspect="1"/>
+          </p:cNvPicPr>
+          <p:nvPr/>
+        </p:nvPicPr>
+        <p:blipFill>
+          <a:blip r:embed="rId2">
+            <a:extLst>
+              <a:ext uri="{28A0092B-C50C-407E-A947-70E740481C1C}">
+                <a14:useLocalDpi xmlns:a14="http://schemas.microsoft.com/office/drawing/2010/main" val="0"/>
+              </a:ext>
+            </a:extLst>
+          </a:blip>
+          <a:stretch>
+            <a:fillRect/>
+          </a:stretch>
+        </p:blipFill>
+        <p:spPr>
+          <a:xfrm>
+            <a:off x="774861" y="1299025"/>
+            <a:ext cx="4206605" cy="4259949"/>
+          </a:xfrm>
+          <a:prstGeom prst="rect">
+            <a:avLst/>
+          </a:prstGeom>
+        </p:spPr>
+      </p:pic>
+      <p:pic>
+        <p:nvPicPr>
+          <p:cNvPr id="11" name="Kép 10">
+            <a:extLst>
+              <a:ext uri="{FF2B5EF4-FFF2-40B4-BE49-F238E27FC236}">
+                <a16:creationId xmlns:a16="http://schemas.microsoft.com/office/drawing/2014/main" id="{7FD4320B-9F4C-4194-8FC8-8BD2D8DC698E}"/>
+              </a:ext>
+            </a:extLst>
+          </p:cNvPr>
+          <p:cNvPicPr>
+            <a:picLocks noChangeAspect="1"/>
+          </p:cNvPicPr>
+          <p:nvPr/>
+        </p:nvPicPr>
+        <p:blipFill>
+          <a:blip r:embed="rId3">
+            <a:extLst>
+              <a:ext uri="{28A0092B-C50C-407E-A947-70E740481C1C}">
+                <a14:useLocalDpi xmlns:a14="http://schemas.microsoft.com/office/drawing/2010/main" val="0"/>
+              </a:ext>
+            </a:extLst>
+          </a:blip>
+          <a:stretch>
+            <a:fillRect/>
+          </a:stretch>
+        </p:blipFill>
+        <p:spPr>
+          <a:xfrm>
+            <a:off x="6281269" y="1512682"/>
+            <a:ext cx="4008467" cy="1074513"/>
+          </a:xfrm>
+          <a:prstGeom prst="rect">
+            <a:avLst/>
+          </a:prstGeom>
+        </p:spPr>
+      </p:pic>
+      <p:pic>
+        <p:nvPicPr>
+          <p:cNvPr id="15" name="Kép 14">
+            <a:extLst>
+              <a:ext uri="{FF2B5EF4-FFF2-40B4-BE49-F238E27FC236}">
+                <a16:creationId xmlns:a16="http://schemas.microsoft.com/office/drawing/2014/main" id="{D624B45A-4F2B-4FD9-A9CC-3E89C70C2929}"/>
+              </a:ext>
+            </a:extLst>
+          </p:cNvPr>
+          <p:cNvPicPr>
+            <a:picLocks noChangeAspect="1"/>
+          </p:cNvPicPr>
+          <p:nvPr/>
+        </p:nvPicPr>
+        <p:blipFill>
+          <a:blip r:embed="rId4">
+            <a:extLst>
+              <a:ext uri="{28A0092B-C50C-407E-A947-70E740481C1C}">
+                <a14:useLocalDpi xmlns:a14="http://schemas.microsoft.com/office/drawing/2010/main" val="0"/>
+              </a:ext>
+            </a:extLst>
+          </a:blip>
+          <a:stretch>
+            <a:fillRect/>
+          </a:stretch>
+        </p:blipFill>
+        <p:spPr>
+          <a:xfrm>
+            <a:off x="6193631" y="3089880"/>
+            <a:ext cx="4183743" cy="2469094"/>
+          </a:xfrm>
+          <a:prstGeom prst="rect">
+            <a:avLst/>
+          </a:prstGeom>
+        </p:spPr>
+      </p:pic>
+    </p:spTree>
+    <p:extLst>
+      <p:ext uri="{BB962C8B-B14F-4D97-AF65-F5344CB8AC3E}">
+        <p14:creationId xmlns:p14="http://schemas.microsoft.com/office/powerpoint/2010/main" val="2376954078"/>
+      </p:ext>
+    </p:extLst>
+  </p:cSld>
+  <p:clrMapOvr>
+    <a:masterClrMapping/>
+  </p:clrMapOvr>
+</p:sld>
+</file>
+
 <file path=ppt/theme/theme1.xml><?xml version="1.0" encoding="utf-8"?>
 <a:theme xmlns:a="http://schemas.openxmlformats.org/drawingml/2006/main" name="Office-téma">
   <a:themeElements>

--- a/A program működése.pptx
+++ b/A program működése.pptx
@@ -11,6 +11,10 @@
     <p:sldId id="260" r:id="rId5"/>
     <p:sldId id="259" r:id="rId6"/>
     <p:sldId id="261" r:id="rId7"/>
+    <p:sldId id="262" r:id="rId8"/>
+    <p:sldId id="263" r:id="rId9"/>
+    <p:sldId id="265" r:id="rId10"/>
+    <p:sldId id="264" r:id="rId11"/>
   </p:sldIdLst>
   <p:sldSz cx="12192000" cy="6858000"/>
   <p:notesSz cx="6858000" cy="9144000"/>
@@ -264,7 +268,7 @@
           <a:p>
             <a:fld id="{62239FC0-3CCE-489F-A0FB-9BA2BA01DFF7}" type="datetimeFigureOut">
               <a:rPr lang="hu-HU" smtClean="0"/>
-              <a:t>2024. 01. 14.</a:t>
+              <a:t>2024.01.15</a:t>
             </a:fld>
             <a:endParaRPr lang="hu-HU"/>
           </a:p>
@@ -462,7 +466,7 @@
           <a:p>
             <a:fld id="{62239FC0-3CCE-489F-A0FB-9BA2BA01DFF7}" type="datetimeFigureOut">
               <a:rPr lang="hu-HU" smtClean="0"/>
-              <a:t>2024. 01. 14.</a:t>
+              <a:t>2024.01.15</a:t>
             </a:fld>
             <a:endParaRPr lang="hu-HU"/>
           </a:p>
@@ -670,7 +674,7 @@
           <a:p>
             <a:fld id="{62239FC0-3CCE-489F-A0FB-9BA2BA01DFF7}" type="datetimeFigureOut">
               <a:rPr lang="hu-HU" smtClean="0"/>
-              <a:t>2024. 01. 14.</a:t>
+              <a:t>2024.01.15</a:t>
             </a:fld>
             <a:endParaRPr lang="hu-HU"/>
           </a:p>
@@ -868,7 +872,7 @@
           <a:p>
             <a:fld id="{62239FC0-3CCE-489F-A0FB-9BA2BA01DFF7}" type="datetimeFigureOut">
               <a:rPr lang="hu-HU" smtClean="0"/>
-              <a:t>2024. 01. 14.</a:t>
+              <a:t>2024.01.15</a:t>
             </a:fld>
             <a:endParaRPr lang="hu-HU"/>
           </a:p>
@@ -1143,7 +1147,7 @@
           <a:p>
             <a:fld id="{62239FC0-3CCE-489F-A0FB-9BA2BA01DFF7}" type="datetimeFigureOut">
               <a:rPr lang="hu-HU" smtClean="0"/>
-              <a:t>2024. 01. 14.</a:t>
+              <a:t>2024.01.15</a:t>
             </a:fld>
             <a:endParaRPr lang="hu-HU"/>
           </a:p>
@@ -1408,7 +1412,7 @@
           <a:p>
             <a:fld id="{62239FC0-3CCE-489F-A0FB-9BA2BA01DFF7}" type="datetimeFigureOut">
               <a:rPr lang="hu-HU" smtClean="0"/>
-              <a:t>2024. 01. 14.</a:t>
+              <a:t>2024.01.15</a:t>
             </a:fld>
             <a:endParaRPr lang="hu-HU"/>
           </a:p>
@@ -1820,7 +1824,7 @@
           <a:p>
             <a:fld id="{62239FC0-3CCE-489F-A0FB-9BA2BA01DFF7}" type="datetimeFigureOut">
               <a:rPr lang="hu-HU" smtClean="0"/>
-              <a:t>2024. 01. 14.</a:t>
+              <a:t>2024.01.15</a:t>
             </a:fld>
             <a:endParaRPr lang="hu-HU"/>
           </a:p>
@@ -1961,7 +1965,7 @@
           <a:p>
             <a:fld id="{62239FC0-3CCE-489F-A0FB-9BA2BA01DFF7}" type="datetimeFigureOut">
               <a:rPr lang="hu-HU" smtClean="0"/>
-              <a:t>2024. 01. 14.</a:t>
+              <a:t>2024.01.15</a:t>
             </a:fld>
             <a:endParaRPr lang="hu-HU"/>
           </a:p>
@@ -2074,7 +2078,7 @@
           <a:p>
             <a:fld id="{62239FC0-3CCE-489F-A0FB-9BA2BA01DFF7}" type="datetimeFigureOut">
               <a:rPr lang="hu-HU" smtClean="0"/>
-              <a:t>2024. 01. 14.</a:t>
+              <a:t>2024.01.15</a:t>
             </a:fld>
             <a:endParaRPr lang="hu-HU"/>
           </a:p>
@@ -2385,7 +2389,7 @@
           <a:p>
             <a:fld id="{62239FC0-3CCE-489F-A0FB-9BA2BA01DFF7}" type="datetimeFigureOut">
               <a:rPr lang="hu-HU" smtClean="0"/>
-              <a:t>2024. 01. 14.</a:t>
+              <a:t>2024.01.15</a:t>
             </a:fld>
             <a:endParaRPr lang="hu-HU"/>
           </a:p>
@@ -2673,7 +2677,7 @@
           <a:p>
             <a:fld id="{62239FC0-3CCE-489F-A0FB-9BA2BA01DFF7}" type="datetimeFigureOut">
               <a:rPr lang="hu-HU" smtClean="0"/>
-              <a:t>2024. 01. 14.</a:t>
+              <a:t>2024.01.15</a:t>
             </a:fld>
             <a:endParaRPr lang="hu-HU"/>
           </a:p>
@@ -2914,7 +2918,7 @@
           <a:p>
             <a:fld id="{62239FC0-3CCE-489F-A0FB-9BA2BA01DFF7}" type="datetimeFigureOut">
               <a:rPr lang="hu-HU" smtClean="0"/>
-              <a:t>2024. 01. 14.</a:t>
+              <a:t>2024.01.15</a:t>
             </a:fld>
             <a:endParaRPr lang="hu-HU"/>
           </a:p>
@@ -3794,6 +3798,266 @@
 </p:sld>
 </file>
 
+<file path=ppt/slides/slide10.xml><?xml version="1.0" encoding="utf-8"?>
+<p:sld xmlns:a="http://schemas.openxmlformats.org/drawingml/2006/main" xmlns:r="http://schemas.openxmlformats.org/officeDocument/2006/relationships" xmlns:p="http://schemas.openxmlformats.org/presentationml/2006/main">
+  <p:cSld>
+    <p:bg>
+      <p:bgPr>
+        <a:solidFill>
+          <a:schemeClr val="bg1"/>
+        </a:solidFill>
+        <a:effectLst/>
+      </p:bgPr>
+    </p:bg>
+    <p:spTree>
+      <p:nvGrpSpPr>
+        <p:cNvPr id="1" name=""/>
+        <p:cNvGrpSpPr/>
+        <p:nvPr/>
+      </p:nvGrpSpPr>
+      <p:grpSpPr>
+        <a:xfrm>
+          <a:off x="0" y="0"/>
+          <a:ext cx="0" cy="0"/>
+          <a:chOff x="0" y="0"/>
+          <a:chExt cx="0" cy="0"/>
+        </a:xfrm>
+      </p:grpSpPr>
+      <p:sp>
+        <p:nvSpPr>
+          <p:cNvPr id="10" name="Rectangle 9">
+            <a:extLst>
+              <a:ext uri="{FF2B5EF4-FFF2-40B4-BE49-F238E27FC236}">
+                <a16:creationId xmlns:a16="http://schemas.microsoft.com/office/drawing/2014/main" id="{FB5B0058-AF13-4859-B429-4EDDE2A26F7F}"/>
+              </a:ext>
+              <a:ext uri="{C183D7F6-B498-43B3-948B-1728B52AA6E4}">
+                <adec:decorative xmlns:adec="http://schemas.microsoft.com/office/drawing/2017/decorative" val="1"/>
+              </a:ext>
+            </a:extLst>
+          </p:cNvPr>
+          <p:cNvSpPr>
+            <a:spLocks noGrp="1" noRot="1" noChangeAspect="1" noMove="1" noResize="1" noEditPoints="1" noAdjustHandles="1" noChangeArrowheads="1" noChangeShapeType="1" noTextEdit="1"/>
+          </p:cNvSpPr>
+          <p:nvPr>
+            <p:extLst>
+              <p:ext uri="{386F3935-93C4-4BCD-93E2-E3B085C9AB24}">
+                <p16:designElem xmlns:p16="http://schemas.microsoft.com/office/powerpoint/2015/main" val="1"/>
+              </p:ext>
+            </p:extLst>
+          </p:nvPr>
+        </p:nvSpPr>
+        <p:spPr>
+          <a:xfrm>
+            <a:off x="0" y="0"/>
+            <a:ext cx="12192000" cy="6858000"/>
+          </a:xfrm>
+          <a:prstGeom prst="rect">
+            <a:avLst/>
+          </a:prstGeom>
+          <a:solidFill>
+            <a:schemeClr val="tx1">
+              <a:lumMod val="95000"/>
+              <a:lumOff val="5000"/>
+            </a:schemeClr>
+          </a:solidFill>
+          <a:ln>
+            <a:noFill/>
+          </a:ln>
+        </p:spPr>
+        <p:style>
+          <a:lnRef idx="2">
+            <a:schemeClr val="accent1">
+              <a:shade val="50000"/>
+            </a:schemeClr>
+          </a:lnRef>
+          <a:fillRef idx="1">
+            <a:schemeClr val="accent1"/>
+          </a:fillRef>
+          <a:effectRef idx="0">
+            <a:schemeClr val="accent1"/>
+          </a:effectRef>
+          <a:fontRef idx="minor">
+            <a:schemeClr val="lt1"/>
+          </a:fontRef>
+        </p:style>
+        <p:txBody>
+          <a:bodyPr rtlCol="0" anchor="ctr"/>
+          <a:lstStyle/>
+          <a:p>
+            <a:pPr algn="ctr"/>
+            <a:endParaRPr lang="en-US" dirty="0"/>
+          </a:p>
+        </p:txBody>
+      </p:sp>
+      <p:sp>
+        <p:nvSpPr>
+          <p:cNvPr id="12" name="Rectangle 11">
+            <a:extLst>
+              <a:ext uri="{FF2B5EF4-FFF2-40B4-BE49-F238E27FC236}">
+                <a16:creationId xmlns:a16="http://schemas.microsoft.com/office/drawing/2014/main" id="{D84C2E9E-0B5D-4B5F-9A1F-70EBDCE39034}"/>
+              </a:ext>
+              <a:ext uri="{C183D7F6-B498-43B3-948B-1728B52AA6E4}">
+                <adec:decorative xmlns:adec="http://schemas.microsoft.com/office/drawing/2017/decorative" val="1"/>
+              </a:ext>
+            </a:extLst>
+          </p:cNvPr>
+          <p:cNvSpPr>
+            <a:spLocks noGrp="1" noRot="1" noChangeAspect="1" noMove="1" noResize="1" noEditPoints="1" noAdjustHandles="1" noChangeArrowheads="1" noChangeShapeType="1" noTextEdit="1"/>
+          </p:cNvSpPr>
+          <p:nvPr>
+            <p:extLst>
+              <p:ext uri="{386F3935-93C4-4BCD-93E2-E3B085C9AB24}">
+                <p16:designElem xmlns:p16="http://schemas.microsoft.com/office/powerpoint/2015/main" val="1"/>
+              </p:ext>
+            </p:extLst>
+          </p:nvPr>
+        </p:nvSpPr>
+        <p:spPr>
+          <a:xfrm>
+            <a:off x="602461" y="1197769"/>
+            <a:ext cx="10987078" cy="4462463"/>
+          </a:xfrm>
+          <a:prstGeom prst="rect">
+            <a:avLst/>
+          </a:prstGeom>
+          <a:noFill/>
+          <a:ln w="12700">
+            <a:solidFill>
+              <a:schemeClr val="accent2"/>
+            </a:solidFill>
+          </a:ln>
+        </p:spPr>
+        <p:style>
+          <a:lnRef idx="2">
+            <a:schemeClr val="accent1">
+              <a:shade val="50000"/>
+            </a:schemeClr>
+          </a:lnRef>
+          <a:fillRef idx="1">
+            <a:schemeClr val="accent1"/>
+          </a:fillRef>
+          <a:effectRef idx="0">
+            <a:schemeClr val="accent1"/>
+          </a:effectRef>
+          <a:fontRef idx="minor">
+            <a:schemeClr val="lt1"/>
+          </a:fontRef>
+        </p:style>
+        <p:txBody>
+          <a:bodyPr rtlCol="0" anchor="ctr"/>
+          <a:lstStyle/>
+          <a:p>
+            <a:pPr algn="ctr"/>
+            <a:endParaRPr lang="en-US"/>
+          </a:p>
+        </p:txBody>
+      </p:sp>
+      <p:sp>
+        <p:nvSpPr>
+          <p:cNvPr id="14" name="Rectangle 13">
+            <a:extLst>
+              <a:ext uri="{FF2B5EF4-FFF2-40B4-BE49-F238E27FC236}">
+                <a16:creationId xmlns:a16="http://schemas.microsoft.com/office/drawing/2014/main" id="{EF36B2BE-65F4-46E3-AFDD-A9AE9E885071}"/>
+              </a:ext>
+              <a:ext uri="{C183D7F6-B498-43B3-948B-1728B52AA6E4}">
+                <adec:decorative xmlns:adec="http://schemas.microsoft.com/office/drawing/2017/decorative" val="1"/>
+              </a:ext>
+            </a:extLst>
+          </p:cNvPr>
+          <p:cNvSpPr>
+            <a:spLocks noGrp="1" noRot="1" noChangeAspect="1" noMove="1" noResize="1" noEditPoints="1" noAdjustHandles="1" noChangeArrowheads="1" noChangeShapeType="1" noTextEdit="1"/>
+          </p:cNvSpPr>
+          <p:nvPr>
+            <p:extLst>
+              <p:ext uri="{386F3935-93C4-4BCD-93E2-E3B085C9AB24}">
+                <p16:designElem xmlns:p16="http://schemas.microsoft.com/office/powerpoint/2015/main" val="1"/>
+              </p:ext>
+            </p:extLst>
+          </p:nvPr>
+        </p:nvSpPr>
+        <p:spPr>
+          <a:xfrm>
+            <a:off x="126206" y="115193"/>
+            <a:ext cx="11939588" cy="6627614"/>
+          </a:xfrm>
+          <a:prstGeom prst="rect">
+            <a:avLst/>
+          </a:prstGeom>
+          <a:noFill/>
+          <a:ln w="12700">
+            <a:solidFill>
+              <a:schemeClr val="accent2"/>
+            </a:solidFill>
+          </a:ln>
+        </p:spPr>
+        <p:style>
+          <a:lnRef idx="2">
+            <a:schemeClr val="accent1">
+              <a:shade val="50000"/>
+            </a:schemeClr>
+          </a:lnRef>
+          <a:fillRef idx="1">
+            <a:schemeClr val="accent1"/>
+          </a:fillRef>
+          <a:effectRef idx="0">
+            <a:schemeClr val="accent1"/>
+          </a:effectRef>
+          <a:fontRef idx="minor">
+            <a:schemeClr val="lt1"/>
+          </a:fontRef>
+        </p:style>
+        <p:txBody>
+          <a:bodyPr rtlCol="0" anchor="ctr"/>
+          <a:lstStyle/>
+          <a:p>
+            <a:pPr algn="ctr"/>
+            <a:endParaRPr lang="en-US"/>
+          </a:p>
+        </p:txBody>
+      </p:sp>
+      <p:pic>
+        <p:nvPicPr>
+          <p:cNvPr id="2" name="Kép 1">
+            <a:extLst>
+              <a:ext uri="{FF2B5EF4-FFF2-40B4-BE49-F238E27FC236}">
+                <a16:creationId xmlns:a16="http://schemas.microsoft.com/office/drawing/2014/main" id="{540B910A-9341-41F6-9E5F-57DC6F3381FA}"/>
+              </a:ext>
+            </a:extLst>
+          </p:cNvPr>
+          <p:cNvPicPr>
+            <a:picLocks noChangeAspect="1"/>
+          </p:cNvPicPr>
+          <p:nvPr/>
+        </p:nvPicPr>
+        <p:blipFill>
+          <a:blip r:embed="rId2"/>
+          <a:stretch>
+            <a:fillRect/>
+          </a:stretch>
+        </p:blipFill>
+        <p:spPr>
+          <a:xfrm>
+            <a:off x="2039901" y="728182"/>
+            <a:ext cx="8112198" cy="5129900"/>
+          </a:xfrm>
+          <a:prstGeom prst="rect">
+            <a:avLst/>
+          </a:prstGeom>
+        </p:spPr>
+      </p:pic>
+    </p:spTree>
+    <p:extLst>
+      <p:ext uri="{BB962C8B-B14F-4D97-AF65-F5344CB8AC3E}">
+        <p14:creationId xmlns:p14="http://schemas.microsoft.com/office/powerpoint/2010/main" val="3333493989"/>
+      </p:ext>
+    </p:extLst>
+  </p:cSld>
+  <p:clrMapOvr>
+    <a:masterClrMapping/>
+  </p:clrMapOvr>
+</p:sld>
+</file>
+
 <file path=ppt/slides/slide2.xml><?xml version="1.0" encoding="utf-8"?>
 <p:sld xmlns:a="http://schemas.openxmlformats.org/drawingml/2006/main" xmlns:r="http://schemas.openxmlformats.org/officeDocument/2006/relationships" xmlns:p="http://schemas.openxmlformats.org/presentationml/2006/main">
   <p:cSld>
@@ -5851,6 +6115,1175 @@
     <p:extLst>
       <p:ext uri="{BB962C8B-B14F-4D97-AF65-F5344CB8AC3E}">
         <p14:creationId xmlns:p14="http://schemas.microsoft.com/office/powerpoint/2010/main" val="2376954078"/>
+      </p:ext>
+    </p:extLst>
+  </p:cSld>
+  <p:clrMapOvr>
+    <a:masterClrMapping/>
+  </p:clrMapOvr>
+</p:sld>
+</file>
+
+<file path=ppt/slides/slide7.xml><?xml version="1.0" encoding="utf-8"?>
+<p:sld xmlns:a="http://schemas.openxmlformats.org/drawingml/2006/main" xmlns:r="http://schemas.openxmlformats.org/officeDocument/2006/relationships" xmlns:p="http://schemas.openxmlformats.org/presentationml/2006/main">
+  <p:cSld>
+    <p:bg>
+      <p:bgPr>
+        <a:solidFill>
+          <a:schemeClr val="bg1"/>
+        </a:solidFill>
+        <a:effectLst/>
+      </p:bgPr>
+    </p:bg>
+    <p:spTree>
+      <p:nvGrpSpPr>
+        <p:cNvPr id="1" name=""/>
+        <p:cNvGrpSpPr/>
+        <p:nvPr/>
+      </p:nvGrpSpPr>
+      <p:grpSpPr>
+        <a:xfrm>
+          <a:off x="0" y="0"/>
+          <a:ext cx="0" cy="0"/>
+          <a:chOff x="0" y="0"/>
+          <a:chExt cx="0" cy="0"/>
+        </a:xfrm>
+      </p:grpSpPr>
+      <p:sp>
+        <p:nvSpPr>
+          <p:cNvPr id="17" name="Rectangle 16">
+            <a:extLst>
+              <a:ext uri="{FF2B5EF4-FFF2-40B4-BE49-F238E27FC236}">
+                <a16:creationId xmlns:a16="http://schemas.microsoft.com/office/drawing/2014/main" id="{FB5B0058-AF13-4859-B429-4EDDE2A26F7F}"/>
+              </a:ext>
+              <a:ext uri="{C183D7F6-B498-43B3-948B-1728B52AA6E4}">
+                <adec:decorative xmlns:adec="http://schemas.microsoft.com/office/drawing/2017/decorative" val="1"/>
+              </a:ext>
+            </a:extLst>
+          </p:cNvPr>
+          <p:cNvSpPr>
+            <a:spLocks noGrp="1" noRot="1" noChangeAspect="1" noMove="1" noResize="1" noEditPoints="1" noAdjustHandles="1" noChangeArrowheads="1" noChangeShapeType="1" noTextEdit="1"/>
+          </p:cNvSpPr>
+          <p:nvPr>
+            <p:extLst>
+              <p:ext uri="{386F3935-93C4-4BCD-93E2-E3B085C9AB24}">
+                <p16:designElem xmlns:p16="http://schemas.microsoft.com/office/powerpoint/2015/main" val="1"/>
+              </p:ext>
+            </p:extLst>
+          </p:nvPr>
+        </p:nvSpPr>
+        <p:spPr>
+          <a:xfrm>
+            <a:off x="0" y="0"/>
+            <a:ext cx="12192000" cy="6858000"/>
+          </a:xfrm>
+          <a:prstGeom prst="rect">
+            <a:avLst/>
+          </a:prstGeom>
+          <a:solidFill>
+            <a:schemeClr val="tx1">
+              <a:lumMod val="95000"/>
+              <a:lumOff val="5000"/>
+            </a:schemeClr>
+          </a:solidFill>
+          <a:ln>
+            <a:noFill/>
+          </a:ln>
+        </p:spPr>
+        <p:style>
+          <a:lnRef idx="2">
+            <a:schemeClr val="accent1">
+              <a:shade val="50000"/>
+            </a:schemeClr>
+          </a:lnRef>
+          <a:fillRef idx="1">
+            <a:schemeClr val="accent1"/>
+          </a:fillRef>
+          <a:effectRef idx="0">
+            <a:schemeClr val="accent1"/>
+          </a:effectRef>
+          <a:fontRef idx="minor">
+            <a:schemeClr val="lt1"/>
+          </a:fontRef>
+        </p:style>
+        <p:txBody>
+          <a:bodyPr rtlCol="0" anchor="ctr"/>
+          <a:lstStyle/>
+          <a:p>
+            <a:pPr algn="ctr"/>
+            <a:endParaRPr lang="en-US" dirty="0"/>
+          </a:p>
+        </p:txBody>
+      </p:sp>
+      <p:sp>
+        <p:nvSpPr>
+          <p:cNvPr id="2" name="Cím 1">
+            <a:extLst>
+              <a:ext uri="{FF2B5EF4-FFF2-40B4-BE49-F238E27FC236}">
+                <a16:creationId xmlns:a16="http://schemas.microsoft.com/office/drawing/2014/main" id="{318C80E7-804E-1C62-07D8-11DF15823322}"/>
+              </a:ext>
+            </a:extLst>
+          </p:cNvPr>
+          <p:cNvSpPr>
+            <a:spLocks noGrp="1"/>
+          </p:cNvSpPr>
+          <p:nvPr>
+            <p:ph type="ctrTitle"/>
+          </p:nvPr>
+        </p:nvSpPr>
+        <p:spPr>
+          <a:xfrm>
+            <a:off x="6687737" y="1338267"/>
+            <a:ext cx="4605340" cy="2387600"/>
+          </a:xfrm>
+        </p:spPr>
+        <p:txBody>
+          <a:bodyPr>
+            <a:normAutofit/>
+          </a:bodyPr>
+          <a:lstStyle/>
+          <a:p>
+            <a:pPr algn="l"/>
+            <a:r>
+              <a:rPr lang="hu-HU" sz="5000" dirty="0">
+                <a:solidFill>
+                  <a:schemeClr val="bg1"/>
+                </a:solidFill>
+              </a:rPr>
+              <a:t>Memória Játék</a:t>
+            </a:r>
+          </a:p>
+        </p:txBody>
+      </p:sp>
+      <p:sp>
+        <p:nvSpPr>
+          <p:cNvPr id="3" name="Alcím 2">
+            <a:extLst>
+              <a:ext uri="{FF2B5EF4-FFF2-40B4-BE49-F238E27FC236}">
+                <a16:creationId xmlns:a16="http://schemas.microsoft.com/office/drawing/2014/main" id="{B1DC2CDB-1B96-07EC-4683-ABBBA1E655D1}"/>
+              </a:ext>
+            </a:extLst>
+          </p:cNvPr>
+          <p:cNvSpPr>
+            <a:spLocks noGrp="1"/>
+          </p:cNvSpPr>
+          <p:nvPr>
+            <p:ph type="subTitle" idx="1"/>
+          </p:nvPr>
+        </p:nvSpPr>
+        <p:spPr>
+          <a:xfrm>
+            <a:off x="6687737" y="3863970"/>
+            <a:ext cx="4605340" cy="2285817"/>
+          </a:xfrm>
+        </p:spPr>
+        <p:txBody>
+          <a:bodyPr>
+            <a:normAutofit/>
+          </a:bodyPr>
+          <a:lstStyle/>
+          <a:p>
+            <a:pPr algn="l"/>
+            <a:r>
+              <a:rPr lang="hu-HU" sz="2000" dirty="0">
+                <a:solidFill>
+                  <a:schemeClr val="bg1"/>
+                </a:solidFill>
+              </a:rPr>
+              <a:t>A játékos kap 12 lefordított lapot amit összekell párosítania minden összepárosított lap után 4pont jár viszont a rossz próbálkozásoknál levon pontot</a:t>
+            </a:r>
+          </a:p>
+        </p:txBody>
+      </p:sp>
+      <p:sp>
+        <p:nvSpPr>
+          <p:cNvPr id="19" name="Rectangle 18">
+            <a:extLst>
+              <a:ext uri="{FF2B5EF4-FFF2-40B4-BE49-F238E27FC236}">
+                <a16:creationId xmlns:a16="http://schemas.microsoft.com/office/drawing/2014/main" id="{D84C2E9E-0B5D-4B5F-9A1F-70EBDCE39034}"/>
+              </a:ext>
+              <a:ext uri="{C183D7F6-B498-43B3-948B-1728B52AA6E4}">
+                <adec:decorative xmlns:adec="http://schemas.microsoft.com/office/drawing/2017/decorative" val="1"/>
+              </a:ext>
+            </a:extLst>
+          </p:cNvPr>
+          <p:cNvSpPr>
+            <a:spLocks noGrp="1" noRot="1" noChangeAspect="1" noMove="1" noResize="1" noEditPoints="1" noAdjustHandles="1" noChangeArrowheads="1" noChangeShapeType="1" noTextEdit="1"/>
+          </p:cNvSpPr>
+          <p:nvPr>
+            <p:extLst>
+              <p:ext uri="{386F3935-93C4-4BCD-93E2-E3B085C9AB24}">
+                <p16:designElem xmlns:p16="http://schemas.microsoft.com/office/powerpoint/2015/main" val="1"/>
+              </p:ext>
+            </p:extLst>
+          </p:nvPr>
+        </p:nvSpPr>
+        <p:spPr>
+          <a:xfrm>
+            <a:off x="602461" y="1197769"/>
+            <a:ext cx="10987078" cy="4462463"/>
+          </a:xfrm>
+          <a:prstGeom prst="rect">
+            <a:avLst/>
+          </a:prstGeom>
+          <a:noFill/>
+          <a:ln w="12700">
+            <a:solidFill>
+              <a:schemeClr val="accent2"/>
+            </a:solidFill>
+          </a:ln>
+        </p:spPr>
+        <p:style>
+          <a:lnRef idx="2">
+            <a:schemeClr val="accent1">
+              <a:shade val="50000"/>
+            </a:schemeClr>
+          </a:lnRef>
+          <a:fillRef idx="1">
+            <a:schemeClr val="accent1"/>
+          </a:fillRef>
+          <a:effectRef idx="0">
+            <a:schemeClr val="accent1"/>
+          </a:effectRef>
+          <a:fontRef idx="minor">
+            <a:schemeClr val="lt1"/>
+          </a:fontRef>
+        </p:style>
+        <p:txBody>
+          <a:bodyPr rtlCol="0" anchor="ctr"/>
+          <a:lstStyle/>
+          <a:p>
+            <a:pPr algn="ctr"/>
+            <a:endParaRPr lang="en-US"/>
+          </a:p>
+        </p:txBody>
+      </p:sp>
+      <p:sp>
+        <p:nvSpPr>
+          <p:cNvPr id="21" name="Rectangle 20">
+            <a:extLst>
+              <a:ext uri="{FF2B5EF4-FFF2-40B4-BE49-F238E27FC236}">
+                <a16:creationId xmlns:a16="http://schemas.microsoft.com/office/drawing/2014/main" id="{EF36B2BE-65F4-46E3-AFDD-A9AE9E885071}"/>
+              </a:ext>
+              <a:ext uri="{C183D7F6-B498-43B3-948B-1728B52AA6E4}">
+                <adec:decorative xmlns:adec="http://schemas.microsoft.com/office/drawing/2017/decorative" val="1"/>
+              </a:ext>
+            </a:extLst>
+          </p:cNvPr>
+          <p:cNvSpPr>
+            <a:spLocks noGrp="1" noRot="1" noChangeAspect="1" noMove="1" noResize="1" noEditPoints="1" noAdjustHandles="1" noChangeArrowheads="1" noChangeShapeType="1" noTextEdit="1"/>
+          </p:cNvSpPr>
+          <p:nvPr>
+            <p:extLst>
+              <p:ext uri="{386F3935-93C4-4BCD-93E2-E3B085C9AB24}">
+                <p16:designElem xmlns:p16="http://schemas.microsoft.com/office/powerpoint/2015/main" val="1"/>
+              </p:ext>
+            </p:extLst>
+          </p:nvPr>
+        </p:nvSpPr>
+        <p:spPr>
+          <a:xfrm>
+            <a:off x="126206" y="115193"/>
+            <a:ext cx="11939588" cy="6627614"/>
+          </a:xfrm>
+          <a:prstGeom prst="rect">
+            <a:avLst/>
+          </a:prstGeom>
+          <a:noFill/>
+          <a:ln w="12700">
+            <a:solidFill>
+              <a:schemeClr val="accent2"/>
+            </a:solidFill>
+          </a:ln>
+        </p:spPr>
+        <p:style>
+          <a:lnRef idx="2">
+            <a:schemeClr val="accent1">
+              <a:shade val="50000"/>
+            </a:schemeClr>
+          </a:lnRef>
+          <a:fillRef idx="1">
+            <a:schemeClr val="accent1"/>
+          </a:fillRef>
+          <a:effectRef idx="0">
+            <a:schemeClr val="accent1"/>
+          </a:effectRef>
+          <a:fontRef idx="minor">
+            <a:schemeClr val="lt1"/>
+          </a:fontRef>
+        </p:style>
+        <p:txBody>
+          <a:bodyPr rtlCol="0" anchor="ctr"/>
+          <a:lstStyle/>
+          <a:p>
+            <a:pPr algn="ctr"/>
+            <a:endParaRPr lang="en-US"/>
+          </a:p>
+        </p:txBody>
+      </p:sp>
+      <p:pic>
+        <p:nvPicPr>
+          <p:cNvPr id="4" name="Kép 3">
+            <a:extLst>
+              <a:ext uri="{FF2B5EF4-FFF2-40B4-BE49-F238E27FC236}">
+                <a16:creationId xmlns:a16="http://schemas.microsoft.com/office/drawing/2014/main" id="{15897D88-C1E9-41F4-AF77-76B3D2E54CC5}"/>
+              </a:ext>
+            </a:extLst>
+          </p:cNvPr>
+          <p:cNvPicPr>
+            <a:picLocks noChangeAspect="1"/>
+          </p:cNvPicPr>
+          <p:nvPr/>
+        </p:nvPicPr>
+        <p:blipFill>
+          <a:blip r:embed="rId2"/>
+          <a:stretch>
+            <a:fillRect/>
+          </a:stretch>
+        </p:blipFill>
+        <p:spPr>
+          <a:xfrm>
+            <a:off x="898923" y="257461"/>
+            <a:ext cx="5429105" cy="6343077"/>
+          </a:xfrm>
+          <a:prstGeom prst="rect">
+            <a:avLst/>
+          </a:prstGeom>
+        </p:spPr>
+      </p:pic>
+    </p:spTree>
+    <p:extLst>
+      <p:ext uri="{BB962C8B-B14F-4D97-AF65-F5344CB8AC3E}">
+        <p14:creationId xmlns:p14="http://schemas.microsoft.com/office/powerpoint/2010/main" val="765288469"/>
+      </p:ext>
+    </p:extLst>
+  </p:cSld>
+  <p:clrMapOvr>
+    <a:masterClrMapping/>
+  </p:clrMapOvr>
+  <p:timing>
+    <p:tnLst>
+      <p:par>
+        <p:cTn id="1" dur="indefinite" restart="never" nodeType="tmRoot">
+          <p:childTnLst>
+            <p:seq concurrent="1" nextAc="seek">
+              <p:cTn id="2" dur="indefinite" nodeType="mainSeq">
+                <p:childTnLst>
+                  <p:par>
+                    <p:cTn id="3" fill="hold">
+                      <p:stCondLst>
+                        <p:cond delay="indefinite"/>
+                        <p:cond evt="onBegin" delay="0">
+                          <p:tn val="2"/>
+                        </p:cond>
+                      </p:stCondLst>
+                      <p:childTnLst>
+                        <p:par>
+                          <p:cTn id="4" fill="hold">
+                            <p:stCondLst>
+                              <p:cond delay="0"/>
+                            </p:stCondLst>
+                            <p:childTnLst>
+                              <p:par>
+                                <p:cTn id="5" presetID="10" presetClass="entr" presetSubtype="0" fill="hold" grpId="0" nodeType="withEffect">
+                                  <p:stCondLst>
+                                    <p:cond delay="1000"/>
+                                  </p:stCondLst>
+                                  <p:iterate type="lt">
+                                    <p:tmPct val="10000"/>
+                                  </p:iterate>
+                                  <p:childTnLst>
+                                    <p:set>
+                                      <p:cBhvr>
+                                        <p:cTn id="6" dur="1" fill="hold">
+                                          <p:stCondLst>
+                                            <p:cond delay="0"/>
+                                          </p:stCondLst>
+                                        </p:cTn>
+                                        <p:tgtEl>
+                                          <p:spTgt spid="2"/>
+                                        </p:tgtEl>
+                                        <p:attrNameLst>
+                                          <p:attrName>style.visibility</p:attrName>
+                                        </p:attrNameLst>
+                                      </p:cBhvr>
+                                      <p:to>
+                                        <p:strVal val="visible"/>
+                                      </p:to>
+                                    </p:set>
+                                    <p:animEffect transition="in" filter="fade">
+                                      <p:cBhvr>
+                                        <p:cTn id="7" dur="400"/>
+                                        <p:tgtEl>
+                                          <p:spTgt spid="2"/>
+                                        </p:tgtEl>
+                                      </p:cBhvr>
+                                    </p:animEffect>
+                                  </p:childTnLst>
+                                </p:cTn>
+                              </p:par>
+                              <p:par>
+                                <p:cTn id="8" presetID="10" presetClass="entr" presetSubtype="0" fill="hold" grpId="0" nodeType="withEffect">
+                                  <p:stCondLst>
+                                    <p:cond delay="2000"/>
+                                  </p:stCondLst>
+                                  <p:iterate type="lt">
+                                    <p:tmPct val="10000"/>
+                                  </p:iterate>
+                                  <p:childTnLst>
+                                    <p:set>
+                                      <p:cBhvr>
+                                        <p:cTn id="9" dur="1" fill="hold">
+                                          <p:stCondLst>
+                                            <p:cond delay="0"/>
+                                          </p:stCondLst>
+                                        </p:cTn>
+                                        <p:tgtEl>
+                                          <p:spTgt spid="3">
+                                            <p:txEl>
+                                              <p:pRg st="0" end="0"/>
+                                            </p:txEl>
+                                          </p:spTgt>
+                                        </p:tgtEl>
+                                        <p:attrNameLst>
+                                          <p:attrName>style.visibility</p:attrName>
+                                        </p:attrNameLst>
+                                      </p:cBhvr>
+                                      <p:to>
+                                        <p:strVal val="visible"/>
+                                      </p:to>
+                                    </p:set>
+                                    <p:animEffect transition="in" filter="fade">
+                                      <p:cBhvr>
+                                        <p:cTn id="10" dur="400"/>
+                                        <p:tgtEl>
+                                          <p:spTgt spid="3">
+                                            <p:txEl>
+                                              <p:pRg st="0" end="0"/>
+                                            </p:txEl>
+                                          </p:spTgt>
+                                        </p:tgtEl>
+                                      </p:cBhvr>
+                                    </p:animEffect>
+                                  </p:childTnLst>
+                                </p:cTn>
+                              </p:par>
+                            </p:childTnLst>
+                          </p:cTn>
+                        </p:par>
+                      </p:childTnLst>
+                    </p:cTn>
+                  </p:par>
+                </p:childTnLst>
+              </p:cTn>
+              <p:prevCondLst>
+                <p:cond evt="onPrev" delay="0">
+                  <p:tgtEl>
+                    <p:sldTgt/>
+                  </p:tgtEl>
+                </p:cond>
+              </p:prevCondLst>
+              <p:nextCondLst>
+                <p:cond evt="onNext" delay="0">
+                  <p:tgtEl>
+                    <p:sldTgt/>
+                  </p:tgtEl>
+                </p:cond>
+              </p:nextCondLst>
+            </p:seq>
+          </p:childTnLst>
+        </p:cTn>
+      </p:par>
+    </p:tnLst>
+    <p:bldLst>
+      <p:bldP spid="2" grpId="0"/>
+      <p:bldP spid="3" grpId="0" build="p"/>
+    </p:bldLst>
+  </p:timing>
+</p:sld>
+</file>
+
+<file path=ppt/slides/slide8.xml><?xml version="1.0" encoding="utf-8"?>
+<p:sld xmlns:a="http://schemas.openxmlformats.org/drawingml/2006/main" xmlns:r="http://schemas.openxmlformats.org/officeDocument/2006/relationships" xmlns:p="http://schemas.openxmlformats.org/presentationml/2006/main">
+  <p:cSld>
+    <p:bg>
+      <p:bgPr>
+        <a:solidFill>
+          <a:schemeClr val="bg1"/>
+        </a:solidFill>
+        <a:effectLst/>
+      </p:bgPr>
+    </p:bg>
+    <p:spTree>
+      <p:nvGrpSpPr>
+        <p:cNvPr id="1" name=""/>
+        <p:cNvGrpSpPr/>
+        <p:nvPr/>
+      </p:nvGrpSpPr>
+      <p:grpSpPr>
+        <a:xfrm>
+          <a:off x="0" y="0"/>
+          <a:ext cx="0" cy="0"/>
+          <a:chOff x="0" y="0"/>
+          <a:chExt cx="0" cy="0"/>
+        </a:xfrm>
+      </p:grpSpPr>
+      <p:sp>
+        <p:nvSpPr>
+          <p:cNvPr id="19" name="Rectangle 18">
+            <a:extLst>
+              <a:ext uri="{FF2B5EF4-FFF2-40B4-BE49-F238E27FC236}">
+                <a16:creationId xmlns:a16="http://schemas.microsoft.com/office/drawing/2014/main" id="{55C01129-3453-464D-A870-ED71C6E89D60}"/>
+              </a:ext>
+              <a:ext uri="{C183D7F6-B498-43B3-948B-1728B52AA6E4}">
+                <adec:decorative xmlns:adec="http://schemas.microsoft.com/office/drawing/2017/decorative" val="1"/>
+              </a:ext>
+            </a:extLst>
+          </p:cNvPr>
+          <p:cNvSpPr>
+            <a:spLocks noGrp="1" noRot="1" noChangeAspect="1" noMove="1" noResize="1" noEditPoints="1" noAdjustHandles="1" noChangeArrowheads="1" noChangeShapeType="1" noTextEdit="1"/>
+          </p:cNvSpPr>
+          <p:nvPr>
+            <p:extLst>
+              <p:ext uri="{386F3935-93C4-4BCD-93E2-E3B085C9AB24}">
+                <p16:designElem xmlns:p16="http://schemas.microsoft.com/office/powerpoint/2015/main" val="1"/>
+              </p:ext>
+            </p:extLst>
+          </p:nvPr>
+        </p:nvSpPr>
+        <p:spPr>
+          <a:xfrm>
+            <a:off x="0" y="0"/>
+            <a:ext cx="12192000" cy="6858000"/>
+          </a:xfrm>
+          <a:prstGeom prst="rect">
+            <a:avLst/>
+          </a:prstGeom>
+          <a:solidFill>
+            <a:schemeClr val="tx1"/>
+          </a:solidFill>
+          <a:ln w="12700" cap="flat" cmpd="sng" algn="ctr">
+            <a:noFill/>
+            <a:prstDash val="solid"/>
+            <a:miter lim="800000"/>
+          </a:ln>
+          <a:effectLst/>
+        </p:spPr>
+        <p:style>
+          <a:lnRef idx="2">
+            <a:schemeClr val="accent1">
+              <a:shade val="50000"/>
+            </a:schemeClr>
+          </a:lnRef>
+          <a:fillRef idx="1">
+            <a:schemeClr val="accent1"/>
+          </a:fillRef>
+          <a:effectRef idx="0">
+            <a:schemeClr val="accent1"/>
+          </a:effectRef>
+          <a:fontRef idx="minor">
+            <a:schemeClr val="lt1"/>
+          </a:fontRef>
+        </p:style>
+        <p:txBody>
+          <a:bodyPr rtlCol="0" anchor="ctr"/>
+          <a:lstStyle/>
+          <a:p>
+            <a:pPr algn="ctr"/>
+            <a:endParaRPr lang="en-US"/>
+          </a:p>
+        </p:txBody>
+      </p:sp>
+      <p:sp>
+        <p:nvSpPr>
+          <p:cNvPr id="21" name="Rectangle 20">
+            <a:extLst>
+              <a:ext uri="{FF2B5EF4-FFF2-40B4-BE49-F238E27FC236}">
+                <a16:creationId xmlns:a16="http://schemas.microsoft.com/office/drawing/2014/main" id="{9D2781A6-5C82-4764-B489-F9A599C0A7EB}"/>
+              </a:ext>
+              <a:ext uri="{C183D7F6-B498-43B3-948B-1728B52AA6E4}">
+                <adec:decorative xmlns:adec="http://schemas.microsoft.com/office/drawing/2017/decorative" val="1"/>
+              </a:ext>
+            </a:extLst>
+          </p:cNvPr>
+          <p:cNvSpPr>
+            <a:spLocks noGrp="1" noRot="1" noChangeAspect="1" noMove="1" noResize="1" noEditPoints="1" noAdjustHandles="1" noChangeArrowheads="1" noChangeShapeType="1" noTextEdit="1"/>
+          </p:cNvSpPr>
+          <p:nvPr>
+            <p:extLst>
+              <p:ext uri="{386F3935-93C4-4BCD-93E2-E3B085C9AB24}">
+                <p16:designElem xmlns:p16="http://schemas.microsoft.com/office/powerpoint/2015/main" val="1"/>
+              </p:ext>
+            </p:extLst>
+          </p:nvPr>
+        </p:nvSpPr>
+        <p:spPr>
+          <a:xfrm>
+            <a:off x="3598833" y="685800"/>
+            <a:ext cx="5004061" cy="5486400"/>
+          </a:xfrm>
+          <a:prstGeom prst="rect">
+            <a:avLst/>
+          </a:prstGeom>
+          <a:solidFill>
+            <a:schemeClr val="tx2">
+              <a:alpha val="40000"/>
+            </a:schemeClr>
+          </a:solidFill>
+          <a:ln>
+            <a:noFill/>
+          </a:ln>
+        </p:spPr>
+        <p:style>
+          <a:lnRef idx="2">
+            <a:schemeClr val="accent1">
+              <a:shade val="50000"/>
+            </a:schemeClr>
+          </a:lnRef>
+          <a:fillRef idx="1">
+            <a:schemeClr val="accent1"/>
+          </a:fillRef>
+          <a:effectRef idx="0">
+            <a:schemeClr val="accent1"/>
+          </a:effectRef>
+          <a:fontRef idx="minor">
+            <a:schemeClr val="lt1"/>
+          </a:fontRef>
+        </p:style>
+        <p:txBody>
+          <a:bodyPr rtlCol="0" anchor="ctr"/>
+          <a:lstStyle/>
+          <a:p>
+            <a:pPr algn="ctr"/>
+            <a:endParaRPr lang="en-US"/>
+          </a:p>
+        </p:txBody>
+      </p:sp>
+      <p:sp>
+        <p:nvSpPr>
+          <p:cNvPr id="2" name="Cím 1">
+            <a:extLst>
+              <a:ext uri="{FF2B5EF4-FFF2-40B4-BE49-F238E27FC236}">
+                <a16:creationId xmlns:a16="http://schemas.microsoft.com/office/drawing/2014/main" id="{F8894D88-BF04-01F1-358F-070AC6E507E0}"/>
+              </a:ext>
+            </a:extLst>
+          </p:cNvPr>
+          <p:cNvSpPr>
+            <a:spLocks noGrp="1"/>
+          </p:cNvSpPr>
+          <p:nvPr>
+            <p:ph type="title"/>
+          </p:nvPr>
+        </p:nvSpPr>
+        <p:spPr>
+          <a:xfrm>
+            <a:off x="4086447" y="1084521"/>
+            <a:ext cx="4019107" cy="1361347"/>
+          </a:xfrm>
+        </p:spPr>
+        <p:txBody>
+          <a:bodyPr anchor="b">
+            <a:normAutofit/>
+          </a:bodyPr>
+          <a:lstStyle/>
+          <a:p>
+            <a:pPr algn="ctr"/>
+            <a:r>
+              <a:rPr lang="hu-HU" sz="2800" dirty="0">
+                <a:solidFill>
+                  <a:schemeClr val="bg1">
+                    <a:alpha val="60000"/>
+                  </a:schemeClr>
+                </a:solidFill>
+              </a:rPr>
+              <a:t>Felépülés</a:t>
+            </a:r>
+          </a:p>
+        </p:txBody>
+      </p:sp>
+      <p:sp>
+        <p:nvSpPr>
+          <p:cNvPr id="3" name="Tartalom helye 2">
+            <a:extLst>
+              <a:ext uri="{FF2B5EF4-FFF2-40B4-BE49-F238E27FC236}">
+                <a16:creationId xmlns:a16="http://schemas.microsoft.com/office/drawing/2014/main" id="{2E9D04B3-2FA1-59CE-0612-1E5D4E2DF625}"/>
+              </a:ext>
+            </a:extLst>
+          </p:cNvPr>
+          <p:cNvSpPr>
+            <a:spLocks noGrp="1"/>
+          </p:cNvSpPr>
+          <p:nvPr>
+            <p:ph idx="1"/>
+          </p:nvPr>
+        </p:nvSpPr>
+        <p:spPr>
+          <a:xfrm>
+            <a:off x="4107712" y="2732739"/>
+            <a:ext cx="3976577" cy="3083270"/>
+          </a:xfrm>
+        </p:spPr>
+        <p:txBody>
+          <a:bodyPr anchor="t">
+            <a:normAutofit/>
+          </a:bodyPr>
+          <a:lstStyle/>
+          <a:p>
+            <a:pPr marL="0" indent="0" algn="ctr">
+              <a:buNone/>
+            </a:pPr>
+            <a:r>
+              <a:rPr lang="hu-HU" sz="2000" dirty="0" err="1">
+                <a:solidFill>
+                  <a:schemeClr val="bg1"/>
+                </a:solidFill>
+              </a:rPr>
+              <a:t>Randomizált</a:t>
+            </a:r>
+            <a:r>
+              <a:rPr lang="hu-HU" sz="2000" dirty="0">
+                <a:solidFill>
+                  <a:schemeClr val="bg1"/>
+                </a:solidFill>
+              </a:rPr>
+              <a:t> lapok lehelyezése</a:t>
+            </a:r>
+          </a:p>
+          <a:p>
+            <a:pPr marL="0" indent="0" algn="ctr">
+              <a:buNone/>
+            </a:pPr>
+            <a:r>
+              <a:rPr lang="hu-HU" sz="2000" dirty="0">
+                <a:solidFill>
+                  <a:schemeClr val="bg1"/>
+                </a:solidFill>
+              </a:rPr>
+              <a:t>Kiválasztott Kártya felfordítása</a:t>
+            </a:r>
+          </a:p>
+          <a:p>
+            <a:pPr marL="0" indent="0" algn="ctr">
+              <a:buNone/>
+            </a:pPr>
+            <a:r>
+              <a:rPr lang="hu-HU" sz="2000" dirty="0">
+                <a:solidFill>
+                  <a:schemeClr val="bg1"/>
+                </a:solidFill>
+              </a:rPr>
+              <a:t>Kártyák megvizsgálása</a:t>
+            </a:r>
+          </a:p>
+          <a:p>
+            <a:pPr marL="0" indent="0" algn="ctr">
+              <a:buNone/>
+            </a:pPr>
+            <a:r>
+              <a:rPr lang="hu-HU" sz="2000" dirty="0">
+                <a:solidFill>
+                  <a:schemeClr val="bg1"/>
+                </a:solidFill>
+              </a:rPr>
+              <a:t>Helytelen Kártyák visszafordítás</a:t>
+            </a:r>
+          </a:p>
+          <a:p>
+            <a:pPr marL="0" indent="0" algn="ctr">
+              <a:buNone/>
+            </a:pPr>
+            <a:endParaRPr lang="hu-HU" sz="2000" dirty="0">
+              <a:solidFill>
+                <a:schemeClr val="bg1"/>
+              </a:solidFill>
+            </a:endParaRPr>
+          </a:p>
+        </p:txBody>
+      </p:sp>
+      <p:pic>
+        <p:nvPicPr>
+          <p:cNvPr id="4" name="Kép 3">
+            <a:extLst>
+              <a:ext uri="{FF2B5EF4-FFF2-40B4-BE49-F238E27FC236}">
+                <a16:creationId xmlns:a16="http://schemas.microsoft.com/office/drawing/2014/main" id="{8BD65EEF-CCDA-4295-A462-17A4D7A20645}"/>
+              </a:ext>
+            </a:extLst>
+          </p:cNvPr>
+          <p:cNvPicPr>
+            <a:picLocks noChangeAspect="1"/>
+          </p:cNvPicPr>
+          <p:nvPr/>
+        </p:nvPicPr>
+        <p:blipFill>
+          <a:blip r:embed="rId2"/>
+          <a:stretch>
+            <a:fillRect/>
+          </a:stretch>
+        </p:blipFill>
+        <p:spPr>
+          <a:xfrm>
+            <a:off x="73111" y="78865"/>
+            <a:ext cx="4347887" cy="2709125"/>
+          </a:xfrm>
+          <a:prstGeom prst="rect">
+            <a:avLst/>
+          </a:prstGeom>
+        </p:spPr>
+      </p:pic>
+      <p:pic>
+        <p:nvPicPr>
+          <p:cNvPr id="5" name="Kép 4">
+            <a:extLst>
+              <a:ext uri="{FF2B5EF4-FFF2-40B4-BE49-F238E27FC236}">
+                <a16:creationId xmlns:a16="http://schemas.microsoft.com/office/drawing/2014/main" id="{76E48E85-0ACB-4FB0-B980-41F437E722A8}"/>
+              </a:ext>
+            </a:extLst>
+          </p:cNvPr>
+          <p:cNvPicPr>
+            <a:picLocks noChangeAspect="1"/>
+          </p:cNvPicPr>
+          <p:nvPr/>
+        </p:nvPicPr>
+        <p:blipFill>
+          <a:blip r:embed="rId3"/>
+          <a:stretch>
+            <a:fillRect/>
+          </a:stretch>
+        </p:blipFill>
+        <p:spPr>
+          <a:xfrm>
+            <a:off x="8825822" y="118918"/>
+            <a:ext cx="3143250" cy="2895600"/>
+          </a:xfrm>
+          <a:prstGeom prst="rect">
+            <a:avLst/>
+          </a:prstGeom>
+        </p:spPr>
+      </p:pic>
+      <p:pic>
+        <p:nvPicPr>
+          <p:cNvPr id="6" name="Kép 5">
+            <a:extLst>
+              <a:ext uri="{FF2B5EF4-FFF2-40B4-BE49-F238E27FC236}">
+                <a16:creationId xmlns:a16="http://schemas.microsoft.com/office/drawing/2014/main" id="{EEA52F8A-D701-4AD8-BCEB-67A5E657415C}"/>
+              </a:ext>
+            </a:extLst>
+          </p:cNvPr>
+          <p:cNvPicPr>
+            <a:picLocks noChangeAspect="1"/>
+          </p:cNvPicPr>
+          <p:nvPr/>
+        </p:nvPicPr>
+        <p:blipFill>
+          <a:blip r:embed="rId4"/>
+          <a:stretch>
+            <a:fillRect/>
+          </a:stretch>
+        </p:blipFill>
+        <p:spPr>
+          <a:xfrm>
+            <a:off x="30760" y="3344367"/>
+            <a:ext cx="3648075" cy="3248025"/>
+          </a:xfrm>
+          <a:prstGeom prst="rect">
+            <a:avLst/>
+          </a:prstGeom>
+        </p:spPr>
+      </p:pic>
+      <p:pic>
+        <p:nvPicPr>
+          <p:cNvPr id="7" name="Kép 6">
+            <a:extLst>
+              <a:ext uri="{FF2B5EF4-FFF2-40B4-BE49-F238E27FC236}">
+                <a16:creationId xmlns:a16="http://schemas.microsoft.com/office/drawing/2014/main" id="{44657381-AA9F-44FB-A632-4B997463652A}"/>
+              </a:ext>
+            </a:extLst>
+          </p:cNvPr>
+          <p:cNvPicPr>
+            <a:picLocks noChangeAspect="1"/>
+          </p:cNvPicPr>
+          <p:nvPr/>
+        </p:nvPicPr>
+        <p:blipFill>
+          <a:blip r:embed="rId5"/>
+          <a:stretch>
+            <a:fillRect/>
+          </a:stretch>
+        </p:blipFill>
+        <p:spPr>
+          <a:xfrm>
+            <a:off x="7652080" y="5417852"/>
+            <a:ext cx="4476536" cy="1321230"/>
+          </a:xfrm>
+          <a:prstGeom prst="rect">
+            <a:avLst/>
+          </a:prstGeom>
+        </p:spPr>
+      </p:pic>
+    </p:spTree>
+    <p:extLst>
+      <p:ext uri="{BB962C8B-B14F-4D97-AF65-F5344CB8AC3E}">
+        <p14:creationId xmlns:p14="http://schemas.microsoft.com/office/powerpoint/2010/main" val="1129700480"/>
+      </p:ext>
+    </p:extLst>
+  </p:cSld>
+  <p:clrMapOvr>
+    <a:masterClrMapping/>
+  </p:clrMapOvr>
+</p:sld>
+</file>
+
+<file path=ppt/slides/slide9.xml><?xml version="1.0" encoding="utf-8"?>
+<p:sld xmlns:a="http://schemas.openxmlformats.org/drawingml/2006/main" xmlns:r="http://schemas.openxmlformats.org/officeDocument/2006/relationships" xmlns:p="http://schemas.openxmlformats.org/presentationml/2006/main">
+  <p:cSld>
+    <p:bg>
+      <p:bgPr>
+        <a:solidFill>
+          <a:schemeClr val="bg1"/>
+        </a:solidFill>
+        <a:effectLst/>
+      </p:bgPr>
+    </p:bg>
+    <p:spTree>
+      <p:nvGrpSpPr>
+        <p:cNvPr id="1" name=""/>
+        <p:cNvGrpSpPr/>
+        <p:nvPr/>
+      </p:nvGrpSpPr>
+      <p:grpSpPr>
+        <a:xfrm>
+          <a:off x="0" y="0"/>
+          <a:ext cx="0" cy="0"/>
+          <a:chOff x="0" y="0"/>
+          <a:chExt cx="0" cy="0"/>
+        </a:xfrm>
+      </p:grpSpPr>
+      <p:sp>
+        <p:nvSpPr>
+          <p:cNvPr id="10" name="Rectangle 9">
+            <a:extLst>
+              <a:ext uri="{FF2B5EF4-FFF2-40B4-BE49-F238E27FC236}">
+                <a16:creationId xmlns:a16="http://schemas.microsoft.com/office/drawing/2014/main" id="{FB5B0058-AF13-4859-B429-4EDDE2A26F7F}"/>
+              </a:ext>
+              <a:ext uri="{C183D7F6-B498-43B3-948B-1728B52AA6E4}">
+                <adec:decorative xmlns:adec="http://schemas.microsoft.com/office/drawing/2017/decorative" val="1"/>
+              </a:ext>
+            </a:extLst>
+          </p:cNvPr>
+          <p:cNvSpPr>
+            <a:spLocks noGrp="1" noRot="1" noChangeAspect="1" noMove="1" noResize="1" noEditPoints="1" noAdjustHandles="1" noChangeArrowheads="1" noChangeShapeType="1" noTextEdit="1"/>
+          </p:cNvSpPr>
+          <p:nvPr>
+            <p:extLst>
+              <p:ext uri="{386F3935-93C4-4BCD-93E2-E3B085C9AB24}">
+                <p16:designElem xmlns:p16="http://schemas.microsoft.com/office/powerpoint/2015/main" val="1"/>
+              </p:ext>
+            </p:extLst>
+          </p:nvPr>
+        </p:nvSpPr>
+        <p:spPr>
+          <a:xfrm>
+            <a:off x="0" y="0"/>
+            <a:ext cx="12192000" cy="6858000"/>
+          </a:xfrm>
+          <a:prstGeom prst="rect">
+            <a:avLst/>
+          </a:prstGeom>
+          <a:solidFill>
+            <a:schemeClr val="tx1">
+              <a:lumMod val="95000"/>
+              <a:lumOff val="5000"/>
+            </a:schemeClr>
+          </a:solidFill>
+          <a:ln>
+            <a:noFill/>
+          </a:ln>
+        </p:spPr>
+        <p:style>
+          <a:lnRef idx="2">
+            <a:schemeClr val="accent1">
+              <a:shade val="50000"/>
+            </a:schemeClr>
+          </a:lnRef>
+          <a:fillRef idx="1">
+            <a:schemeClr val="accent1"/>
+          </a:fillRef>
+          <a:effectRef idx="0">
+            <a:schemeClr val="accent1"/>
+          </a:effectRef>
+          <a:fontRef idx="minor">
+            <a:schemeClr val="lt1"/>
+          </a:fontRef>
+        </p:style>
+        <p:txBody>
+          <a:bodyPr rtlCol="0" anchor="ctr"/>
+          <a:lstStyle/>
+          <a:p>
+            <a:pPr algn="ctr"/>
+            <a:endParaRPr lang="en-US" dirty="0"/>
+          </a:p>
+        </p:txBody>
+      </p:sp>
+      <p:sp>
+        <p:nvSpPr>
+          <p:cNvPr id="12" name="Rectangle 11">
+            <a:extLst>
+              <a:ext uri="{FF2B5EF4-FFF2-40B4-BE49-F238E27FC236}">
+                <a16:creationId xmlns:a16="http://schemas.microsoft.com/office/drawing/2014/main" id="{D84C2E9E-0B5D-4B5F-9A1F-70EBDCE39034}"/>
+              </a:ext>
+              <a:ext uri="{C183D7F6-B498-43B3-948B-1728B52AA6E4}">
+                <adec:decorative xmlns:adec="http://schemas.microsoft.com/office/drawing/2017/decorative" val="1"/>
+              </a:ext>
+            </a:extLst>
+          </p:cNvPr>
+          <p:cNvSpPr>
+            <a:spLocks noGrp="1" noRot="1" noChangeAspect="1" noMove="1" noResize="1" noEditPoints="1" noAdjustHandles="1" noChangeArrowheads="1" noChangeShapeType="1" noTextEdit="1"/>
+          </p:cNvSpPr>
+          <p:nvPr>
+            <p:extLst>
+              <p:ext uri="{386F3935-93C4-4BCD-93E2-E3B085C9AB24}">
+                <p16:designElem xmlns:p16="http://schemas.microsoft.com/office/powerpoint/2015/main" val="1"/>
+              </p:ext>
+            </p:extLst>
+          </p:nvPr>
+        </p:nvSpPr>
+        <p:spPr>
+          <a:xfrm>
+            <a:off x="602461" y="1197769"/>
+            <a:ext cx="10987078" cy="4462463"/>
+          </a:xfrm>
+          <a:prstGeom prst="rect">
+            <a:avLst/>
+          </a:prstGeom>
+          <a:noFill/>
+          <a:ln w="12700">
+            <a:solidFill>
+              <a:schemeClr val="accent2"/>
+            </a:solidFill>
+          </a:ln>
+        </p:spPr>
+        <p:style>
+          <a:lnRef idx="2">
+            <a:schemeClr val="accent1">
+              <a:shade val="50000"/>
+            </a:schemeClr>
+          </a:lnRef>
+          <a:fillRef idx="1">
+            <a:schemeClr val="accent1"/>
+          </a:fillRef>
+          <a:effectRef idx="0">
+            <a:schemeClr val="accent1"/>
+          </a:effectRef>
+          <a:fontRef idx="minor">
+            <a:schemeClr val="lt1"/>
+          </a:fontRef>
+        </p:style>
+        <p:txBody>
+          <a:bodyPr rtlCol="0" anchor="ctr"/>
+          <a:lstStyle/>
+          <a:p>
+            <a:pPr algn="ctr"/>
+            <a:endParaRPr lang="en-US"/>
+          </a:p>
+        </p:txBody>
+      </p:sp>
+      <p:sp>
+        <p:nvSpPr>
+          <p:cNvPr id="14" name="Rectangle 13">
+            <a:extLst>
+              <a:ext uri="{FF2B5EF4-FFF2-40B4-BE49-F238E27FC236}">
+                <a16:creationId xmlns:a16="http://schemas.microsoft.com/office/drawing/2014/main" id="{EF36B2BE-65F4-46E3-AFDD-A9AE9E885071}"/>
+              </a:ext>
+              <a:ext uri="{C183D7F6-B498-43B3-948B-1728B52AA6E4}">
+                <adec:decorative xmlns:adec="http://schemas.microsoft.com/office/drawing/2017/decorative" val="1"/>
+              </a:ext>
+            </a:extLst>
+          </p:cNvPr>
+          <p:cNvSpPr>
+            <a:spLocks noGrp="1" noRot="1" noChangeAspect="1" noMove="1" noResize="1" noEditPoints="1" noAdjustHandles="1" noChangeArrowheads="1" noChangeShapeType="1" noTextEdit="1"/>
+          </p:cNvSpPr>
+          <p:nvPr>
+            <p:extLst>
+              <p:ext uri="{386F3935-93C4-4BCD-93E2-E3B085C9AB24}">
+                <p16:designElem xmlns:p16="http://schemas.microsoft.com/office/powerpoint/2015/main" val="1"/>
+              </p:ext>
+            </p:extLst>
+          </p:nvPr>
+        </p:nvSpPr>
+        <p:spPr>
+          <a:xfrm>
+            <a:off x="126206" y="115193"/>
+            <a:ext cx="11939588" cy="6627614"/>
+          </a:xfrm>
+          <a:prstGeom prst="rect">
+            <a:avLst/>
+          </a:prstGeom>
+          <a:noFill/>
+          <a:ln w="12700">
+            <a:solidFill>
+              <a:schemeClr val="accent2"/>
+            </a:solidFill>
+          </a:ln>
+        </p:spPr>
+        <p:style>
+          <a:lnRef idx="2">
+            <a:schemeClr val="accent1">
+              <a:shade val="50000"/>
+            </a:schemeClr>
+          </a:lnRef>
+          <a:fillRef idx="1">
+            <a:schemeClr val="accent1"/>
+          </a:fillRef>
+          <a:effectRef idx="0">
+            <a:schemeClr val="accent1"/>
+          </a:effectRef>
+          <a:fontRef idx="minor">
+            <a:schemeClr val="lt1"/>
+          </a:fontRef>
+        </p:style>
+        <p:txBody>
+          <a:bodyPr rtlCol="0" anchor="ctr"/>
+          <a:lstStyle/>
+          <a:p>
+            <a:pPr algn="ctr"/>
+            <a:endParaRPr lang="en-US"/>
+          </a:p>
+        </p:txBody>
+      </p:sp>
+      <p:pic>
+        <p:nvPicPr>
+          <p:cNvPr id="2" name="Kép 1">
+            <a:extLst>
+              <a:ext uri="{FF2B5EF4-FFF2-40B4-BE49-F238E27FC236}">
+                <a16:creationId xmlns:a16="http://schemas.microsoft.com/office/drawing/2014/main" id="{AF8308C2-91D5-452A-A1F3-B663AC31F7A9}"/>
+              </a:ext>
+            </a:extLst>
+          </p:cNvPr>
+          <p:cNvPicPr>
+            <a:picLocks noChangeAspect="1"/>
+          </p:cNvPicPr>
+          <p:nvPr/>
+        </p:nvPicPr>
+        <p:blipFill>
+          <a:blip r:embed="rId2"/>
+          <a:stretch>
+            <a:fillRect/>
+          </a:stretch>
+        </p:blipFill>
+        <p:spPr>
+          <a:xfrm>
+            <a:off x="3181307" y="1197767"/>
+            <a:ext cx="5434188" cy="4462463"/>
+          </a:xfrm>
+          <a:prstGeom prst="rect">
+            <a:avLst/>
+          </a:prstGeom>
+        </p:spPr>
+      </p:pic>
+    </p:spTree>
+    <p:extLst>
+      <p:ext uri="{BB962C8B-B14F-4D97-AF65-F5344CB8AC3E}">
+        <p14:creationId xmlns:p14="http://schemas.microsoft.com/office/powerpoint/2010/main" val="90705859"/>
       </p:ext>
     </p:extLst>
   </p:cSld>
